--- a/report/midterm/presentation.pptx
+++ b/report/midterm/presentation.pptx
@@ -1,11 +1,11 @@
 
 <file path=ppt/presentation.xml><?xml version="1.0" encoding="utf-8"?>
-<p:presentation xmlns:a="http://schemas.openxmlformats.org/drawingml/2006/main" xmlns:r="http://schemas.openxmlformats.org/officeDocument/2006/relationships" xmlns:p="http://schemas.openxmlformats.org/presentationml/2006/main" showSpecialPlsOnTitleSld="0" autoCompressPictures="0">
+<p:presentation xmlns:a="http://schemas.openxmlformats.org/drawingml/2006/main" xmlns:r="http://schemas.openxmlformats.org/officeDocument/2006/relationships" xmlns:p="http://schemas.openxmlformats.org/presentationml/2006/main" showSpecialPlsOnTitleSld="0" saveSubsetFonts="1" autoCompressPictures="0">
   <p:sldMasterIdLst>
     <p:sldMasterId id="2147483648" r:id="rId1"/>
   </p:sldMasterIdLst>
   <p:notesMasterIdLst>
-    <p:notesMasterId r:id="rId22"/>
+    <p:notesMasterId r:id="rId21"/>
   </p:notesMasterIdLst>
   <p:sldIdLst>
     <p:sldId id="256" r:id="rId2"/>
@@ -26,8 +26,7 @@
     <p:sldId id="268" r:id="rId17"/>
     <p:sldId id="265" r:id="rId18"/>
     <p:sldId id="266" r:id="rId19"/>
-    <p:sldId id="267" r:id="rId20"/>
-    <p:sldId id="277" r:id="rId21"/>
+    <p:sldId id="277" r:id="rId20"/>
   </p:sldIdLst>
   <p:sldSz cx="12192000" cy="6858000"/>
   <p:notesSz cx="6858000" cy="9144000"/>
@@ -216,7 +215,7 @@
           <a:p>
             <a:fld id="{38BFE124-3EAA-44DC-B8DA-4906AE54F519}" type="datetimeFigureOut">
               <a:rPr lang="en-US" smtClean="0"/>
-              <a:t>4/20/2016</a:t>
+              <a:t>4/21/16</a:t>
             </a:fld>
             <a:endParaRPr lang="en-US"/>
           </a:p>
@@ -709,7 +708,7 @@
           <a:noFill/>
           <a:extLst>
             <a:ext uri="{909E8E84-426E-40dd-AFC4-6F175D3DCCD1}">
-              <a14:hiddenFill xmlns="" xmlns:a14="http://schemas.microsoft.com/office/drawing/2010/main">
+              <a14:hiddenFill xmlns:a14="http://schemas.microsoft.com/office/drawing/2010/main" xmlns="">
                 <a:solidFill>
                   <a:srgbClr val="FFFFFF"/>
                 </a:solidFill>
@@ -768,7 +767,7 @@
             </a:ln>
             <a:extLst>
               <a:ext uri="{91240B29-F687-4f45-9708-019B960494DF}">
-                <a14:hiddenLine xmlns="" xmlns:a14="http://schemas.microsoft.com/office/drawing/2010/main" w="9525">
+                <a14:hiddenLine xmlns:a14="http://schemas.microsoft.com/office/drawing/2010/main" xmlns="" w="9525">
                   <a:solidFill>
                     <a:srgbClr val="000000"/>
                   </a:solidFill>
@@ -858,7 +857,7 @@
             </a:ln>
             <a:extLst>
               <a:ext uri="{91240B29-F687-4f45-9708-019B960494DF}">
-                <a14:hiddenLine xmlns="" xmlns:a14="http://schemas.microsoft.com/office/drawing/2010/main" w="9525">
+                <a14:hiddenLine xmlns:a14="http://schemas.microsoft.com/office/drawing/2010/main" xmlns="" w="9525">
                   <a:solidFill>
                     <a:srgbClr val="000000"/>
                   </a:solidFill>
@@ -948,7 +947,7 @@
             </a:ln>
             <a:extLst>
               <a:ext uri="{91240B29-F687-4f45-9708-019B960494DF}">
-                <a14:hiddenLine xmlns="" xmlns:a14="http://schemas.microsoft.com/office/drawing/2010/main" w="9525">
+                <a14:hiddenLine xmlns:a14="http://schemas.microsoft.com/office/drawing/2010/main" xmlns="" w="9525">
                   <a:solidFill>
                     <a:srgbClr val="000000"/>
                   </a:solidFill>
@@ -982,7 +981,7 @@
             </a:ln>
             <a:extLst>
               <a:ext uri="{91240B29-F687-4f45-9708-019B960494DF}">
-                <a14:hiddenLine xmlns="" xmlns:a14="http://schemas.microsoft.com/office/drawing/2010/main" w="9525">
+                <a14:hiddenLine xmlns:a14="http://schemas.microsoft.com/office/drawing/2010/main" xmlns="" w="9525">
                   <a:solidFill>
                     <a:srgbClr val="000000"/>
                   </a:solidFill>
@@ -1072,7 +1071,7 @@
             </a:ln>
             <a:extLst>
               <a:ext uri="{91240B29-F687-4f45-9708-019B960494DF}">
-                <a14:hiddenLine xmlns="" xmlns:a14="http://schemas.microsoft.com/office/drawing/2010/main" w="9525">
+                <a14:hiddenLine xmlns:a14="http://schemas.microsoft.com/office/drawing/2010/main" xmlns="" w="9525">
                   <a:solidFill>
                     <a:srgbClr val="000000"/>
                   </a:solidFill>
@@ -1134,7 +1133,7 @@
             </a:ln>
             <a:extLst>
               <a:ext uri="{91240B29-F687-4f45-9708-019B960494DF}">
-                <a14:hiddenLine xmlns="" xmlns:a14="http://schemas.microsoft.com/office/drawing/2010/main" w="9525">
+                <a14:hiddenLine xmlns:a14="http://schemas.microsoft.com/office/drawing/2010/main" xmlns="" w="9525">
                   <a:solidFill>
                     <a:srgbClr val="000000"/>
                   </a:solidFill>
@@ -1196,7 +1195,7 @@
             </a:ln>
             <a:extLst>
               <a:ext uri="{91240B29-F687-4f45-9708-019B960494DF}">
-                <a14:hiddenLine xmlns="" xmlns:a14="http://schemas.microsoft.com/office/drawing/2010/main" w="9525">
+                <a14:hiddenLine xmlns:a14="http://schemas.microsoft.com/office/drawing/2010/main" xmlns="" w="9525">
                   <a:solidFill>
                     <a:srgbClr val="000000"/>
                   </a:solidFill>
@@ -1286,7 +1285,7 @@
             </a:ln>
             <a:extLst>
               <a:ext uri="{91240B29-F687-4f45-9708-019B960494DF}">
-                <a14:hiddenLine xmlns="" xmlns:a14="http://schemas.microsoft.com/office/drawing/2010/main" w="9525">
+                <a14:hiddenLine xmlns:a14="http://schemas.microsoft.com/office/drawing/2010/main" xmlns="" w="9525">
                   <a:solidFill>
                     <a:srgbClr val="000000"/>
                   </a:solidFill>
@@ -1348,7 +1347,7 @@
             </a:ln>
             <a:extLst>
               <a:ext uri="{91240B29-F687-4f45-9708-019B960494DF}">
-                <a14:hiddenLine xmlns="" xmlns:a14="http://schemas.microsoft.com/office/drawing/2010/main" w="9525">
+                <a14:hiddenLine xmlns:a14="http://schemas.microsoft.com/office/drawing/2010/main" xmlns="" w="9525">
                   <a:solidFill>
                     <a:srgbClr val="000000"/>
                   </a:solidFill>
@@ -1410,7 +1409,7 @@
             </a:ln>
             <a:extLst>
               <a:ext uri="{91240B29-F687-4f45-9708-019B960494DF}">
-                <a14:hiddenLine xmlns="" xmlns:a14="http://schemas.microsoft.com/office/drawing/2010/main" w="9525">
+                <a14:hiddenLine xmlns:a14="http://schemas.microsoft.com/office/drawing/2010/main" xmlns="" w="9525">
                   <a:solidFill>
                     <a:srgbClr val="000000"/>
                   </a:solidFill>
@@ -1500,7 +1499,7 @@
             </a:ln>
             <a:extLst>
               <a:ext uri="{91240B29-F687-4f45-9708-019B960494DF}">
-                <a14:hiddenLine xmlns="" xmlns:a14="http://schemas.microsoft.com/office/drawing/2010/main" w="9525">
+                <a14:hiddenLine xmlns:a14="http://schemas.microsoft.com/office/drawing/2010/main" xmlns="" w="9525">
                   <a:solidFill>
                     <a:srgbClr val="000000"/>
                   </a:solidFill>
@@ -1590,7 +1589,7 @@
             </a:ln>
             <a:extLst>
               <a:ext uri="{91240B29-F687-4f45-9708-019B960494DF}">
-                <a14:hiddenLine xmlns="" xmlns:a14="http://schemas.microsoft.com/office/drawing/2010/main" w="9525">
+                <a14:hiddenLine xmlns:a14="http://schemas.microsoft.com/office/drawing/2010/main" xmlns="" w="9525">
                   <a:solidFill>
                     <a:srgbClr val="000000"/>
                   </a:solidFill>
@@ -1652,7 +1651,7 @@
             </a:ln>
             <a:extLst>
               <a:ext uri="{91240B29-F687-4f45-9708-019B960494DF}">
-                <a14:hiddenLine xmlns="" xmlns:a14="http://schemas.microsoft.com/office/drawing/2010/main" w="9525">
+                <a14:hiddenLine xmlns:a14="http://schemas.microsoft.com/office/drawing/2010/main" xmlns="" w="9525">
                   <a:solidFill>
                     <a:srgbClr val="000000"/>
                   </a:solidFill>
@@ -1762,7 +1761,7 @@
             </a:ln>
             <a:extLst>
               <a:ext uri="{91240B29-F687-4f45-9708-019B960494DF}">
-                <a14:hiddenLine xmlns="" xmlns:a14="http://schemas.microsoft.com/office/drawing/2010/main" w="9525">
+                <a14:hiddenLine xmlns:a14="http://schemas.microsoft.com/office/drawing/2010/main" xmlns="" w="9525">
                   <a:solidFill>
                     <a:srgbClr val="000000"/>
                   </a:solidFill>
@@ -1824,7 +1823,7 @@
             </a:ln>
             <a:extLst>
               <a:ext uri="{91240B29-F687-4f45-9708-019B960494DF}">
-                <a14:hiddenLine xmlns="" xmlns:a14="http://schemas.microsoft.com/office/drawing/2010/main" w="9525">
+                <a14:hiddenLine xmlns:a14="http://schemas.microsoft.com/office/drawing/2010/main" xmlns="" w="9525">
                   <a:solidFill>
                     <a:srgbClr val="000000"/>
                   </a:solidFill>
@@ -1914,7 +1913,7 @@
             </a:ln>
             <a:extLst>
               <a:ext uri="{91240B29-F687-4f45-9708-019B960494DF}">
-                <a14:hiddenLine xmlns="" xmlns:a14="http://schemas.microsoft.com/office/drawing/2010/main" w="9525">
+                <a14:hiddenLine xmlns:a14="http://schemas.microsoft.com/office/drawing/2010/main" xmlns="" w="9525">
                   <a:solidFill>
                     <a:srgbClr val="000000"/>
                   </a:solidFill>
@@ -2004,7 +2003,7 @@
             </a:ln>
             <a:extLst>
               <a:ext uri="{91240B29-F687-4f45-9708-019B960494DF}">
-                <a14:hiddenLine xmlns="" xmlns:a14="http://schemas.microsoft.com/office/drawing/2010/main" w="9525">
+                <a14:hiddenLine xmlns:a14="http://schemas.microsoft.com/office/drawing/2010/main" xmlns="" w="9525">
                   <a:solidFill>
                     <a:srgbClr val="000000"/>
                   </a:solidFill>
@@ -2066,7 +2065,7 @@
             </a:ln>
             <a:extLst>
               <a:ext uri="{91240B29-F687-4f45-9708-019B960494DF}">
-                <a14:hiddenLine xmlns="" xmlns:a14="http://schemas.microsoft.com/office/drawing/2010/main" w="9525">
+                <a14:hiddenLine xmlns:a14="http://schemas.microsoft.com/office/drawing/2010/main" xmlns="" w="9525">
                   <a:solidFill>
                     <a:srgbClr val="000000"/>
                   </a:solidFill>
@@ -2156,7 +2155,7 @@
             </a:ln>
             <a:extLst>
               <a:ext uri="{91240B29-F687-4f45-9708-019B960494DF}">
-                <a14:hiddenLine xmlns="" xmlns:a14="http://schemas.microsoft.com/office/drawing/2010/main" w="9525">
+                <a14:hiddenLine xmlns:a14="http://schemas.microsoft.com/office/drawing/2010/main" xmlns="" w="9525">
                   <a:solidFill>
                     <a:srgbClr val="000000"/>
                   </a:solidFill>
@@ -2246,7 +2245,7 @@
             </a:ln>
             <a:extLst>
               <a:ext uri="{91240B29-F687-4f45-9708-019B960494DF}">
-                <a14:hiddenLine xmlns="" xmlns:a14="http://schemas.microsoft.com/office/drawing/2010/main" w="9525">
+                <a14:hiddenLine xmlns:a14="http://schemas.microsoft.com/office/drawing/2010/main" xmlns="" w="9525">
                   <a:solidFill>
                     <a:srgbClr val="000000"/>
                   </a:solidFill>
@@ -2302,7 +2301,7 @@
             </a:ln>
             <a:extLst>
               <a:ext uri="{91240B29-F687-4f45-9708-019B960494DF}">
-                <a14:hiddenLine xmlns="" xmlns:a14="http://schemas.microsoft.com/office/drawing/2010/main" w="9525">
+                <a14:hiddenLine xmlns:a14="http://schemas.microsoft.com/office/drawing/2010/main" xmlns="" w="9525">
                   <a:solidFill>
                     <a:srgbClr val="000000"/>
                   </a:solidFill>
@@ -2392,7 +2391,7 @@
             </a:ln>
             <a:extLst>
               <a:ext uri="{91240B29-F687-4f45-9708-019B960494DF}">
-                <a14:hiddenLine xmlns="" xmlns:a14="http://schemas.microsoft.com/office/drawing/2010/main" w="9525">
+                <a14:hiddenLine xmlns:a14="http://schemas.microsoft.com/office/drawing/2010/main" xmlns="" w="9525">
                   <a:solidFill>
                     <a:srgbClr val="000000"/>
                   </a:solidFill>
@@ -2448,7 +2447,7 @@
             </a:ln>
             <a:extLst>
               <a:ext uri="{91240B29-F687-4f45-9708-019B960494DF}">
-                <a14:hiddenLine xmlns="" xmlns:a14="http://schemas.microsoft.com/office/drawing/2010/main" w="9525">
+                <a14:hiddenLine xmlns:a14="http://schemas.microsoft.com/office/drawing/2010/main" xmlns="" w="9525">
                   <a:solidFill>
                     <a:srgbClr val="000000"/>
                   </a:solidFill>
@@ -2538,7 +2537,7 @@
             </a:ln>
             <a:extLst>
               <a:ext uri="{91240B29-F687-4f45-9708-019B960494DF}">
-                <a14:hiddenLine xmlns="" xmlns:a14="http://schemas.microsoft.com/office/drawing/2010/main" w="9525">
+                <a14:hiddenLine xmlns:a14="http://schemas.microsoft.com/office/drawing/2010/main" xmlns="" w="9525">
                   <a:solidFill>
                     <a:srgbClr val="000000"/>
                   </a:solidFill>
@@ -2606,7 +2605,7 @@
             </a:ln>
             <a:extLst>
               <a:ext uri="{91240B29-F687-4f45-9708-019B960494DF}">
-                <a14:hiddenLine xmlns="" xmlns:a14="http://schemas.microsoft.com/office/drawing/2010/main" w="9525">
+                <a14:hiddenLine xmlns:a14="http://schemas.microsoft.com/office/drawing/2010/main" xmlns="" w="9525">
                   <a:solidFill>
                     <a:srgbClr val="000000"/>
                   </a:solidFill>
@@ -2696,7 +2695,7 @@
             </a:ln>
             <a:extLst>
               <a:ext uri="{91240B29-F687-4f45-9708-019B960494DF}">
-                <a14:hiddenLine xmlns="" xmlns:a14="http://schemas.microsoft.com/office/drawing/2010/main" w="9525">
+                <a14:hiddenLine xmlns:a14="http://schemas.microsoft.com/office/drawing/2010/main" xmlns="" w="9525">
                   <a:solidFill>
                     <a:srgbClr val="000000"/>
                   </a:solidFill>
@@ -2764,7 +2763,7 @@
             </a:ln>
             <a:extLst>
               <a:ext uri="{91240B29-F687-4f45-9708-019B960494DF}">
-                <a14:hiddenLine xmlns="" xmlns:a14="http://schemas.microsoft.com/office/drawing/2010/main" w="9525">
+                <a14:hiddenLine xmlns:a14="http://schemas.microsoft.com/office/drawing/2010/main" xmlns="" w="9525">
                   <a:solidFill>
                     <a:srgbClr val="000000"/>
                   </a:solidFill>
@@ -2854,7 +2853,7 @@
             </a:ln>
             <a:extLst>
               <a:ext uri="{91240B29-F687-4f45-9708-019B960494DF}">
-                <a14:hiddenLine xmlns="" xmlns:a14="http://schemas.microsoft.com/office/drawing/2010/main" w="9525">
+                <a14:hiddenLine xmlns:a14="http://schemas.microsoft.com/office/drawing/2010/main" xmlns="" w="9525">
                   <a:solidFill>
                     <a:srgbClr val="000000"/>
                   </a:solidFill>
@@ -2888,7 +2887,7 @@
             </a:ln>
             <a:extLst>
               <a:ext uri="{91240B29-F687-4f45-9708-019B960494DF}">
-                <a14:hiddenLine xmlns="" xmlns:a14="http://schemas.microsoft.com/office/drawing/2010/main" w="9525">
+                <a14:hiddenLine xmlns:a14="http://schemas.microsoft.com/office/drawing/2010/main" xmlns="" w="9525">
                   <a:solidFill>
                     <a:srgbClr val="000000"/>
                   </a:solidFill>
@@ -2978,7 +2977,7 @@
             </a:ln>
             <a:extLst>
               <a:ext uri="{91240B29-F687-4f45-9708-019B960494DF}">
-                <a14:hiddenLine xmlns="" xmlns:a14="http://schemas.microsoft.com/office/drawing/2010/main" w="9525">
+                <a14:hiddenLine xmlns:a14="http://schemas.microsoft.com/office/drawing/2010/main" xmlns="" w="9525">
                   <a:solidFill>
                     <a:srgbClr val="000000"/>
                   </a:solidFill>
@@ -3040,7 +3039,7 @@
             </a:ln>
             <a:extLst>
               <a:ext uri="{91240B29-F687-4f45-9708-019B960494DF}">
-                <a14:hiddenLine xmlns="" xmlns:a14="http://schemas.microsoft.com/office/drawing/2010/main" w="9525">
+                <a14:hiddenLine xmlns:a14="http://schemas.microsoft.com/office/drawing/2010/main" xmlns="" w="9525">
                   <a:solidFill>
                     <a:srgbClr val="000000"/>
                   </a:solidFill>
@@ -3102,7 +3101,7 @@
             </a:ln>
             <a:extLst>
               <a:ext uri="{91240B29-F687-4f45-9708-019B960494DF}">
-                <a14:hiddenLine xmlns="" xmlns:a14="http://schemas.microsoft.com/office/drawing/2010/main" w="9525">
+                <a14:hiddenLine xmlns:a14="http://schemas.microsoft.com/office/drawing/2010/main" xmlns="" w="9525">
                   <a:solidFill>
                     <a:srgbClr val="000000"/>
                   </a:solidFill>
@@ -3192,7 +3191,7 @@
             </a:ln>
             <a:extLst>
               <a:ext uri="{91240B29-F687-4f45-9708-019B960494DF}">
-                <a14:hiddenLine xmlns="" xmlns:a14="http://schemas.microsoft.com/office/drawing/2010/main" w="9525">
+                <a14:hiddenLine xmlns:a14="http://schemas.microsoft.com/office/drawing/2010/main" xmlns="" w="9525">
                   <a:solidFill>
                     <a:srgbClr val="000000"/>
                   </a:solidFill>
@@ -3260,7 +3259,7 @@
             </a:ln>
             <a:extLst>
               <a:ext uri="{91240B29-F687-4f45-9708-019B960494DF}">
-                <a14:hiddenLine xmlns="" xmlns:a14="http://schemas.microsoft.com/office/drawing/2010/main" w="9525">
+                <a14:hiddenLine xmlns:a14="http://schemas.microsoft.com/office/drawing/2010/main" xmlns="" w="9525">
                   <a:solidFill>
                     <a:srgbClr val="000000"/>
                   </a:solidFill>
@@ -3322,7 +3321,7 @@
             </a:ln>
             <a:extLst>
               <a:ext uri="{91240B29-F687-4f45-9708-019B960494DF}">
-                <a14:hiddenLine xmlns="" xmlns:a14="http://schemas.microsoft.com/office/drawing/2010/main" w="9525">
+                <a14:hiddenLine xmlns:a14="http://schemas.microsoft.com/office/drawing/2010/main" xmlns="" w="9525">
                   <a:solidFill>
                     <a:srgbClr val="000000"/>
                   </a:solidFill>
@@ -3412,7 +3411,7 @@
             </a:ln>
             <a:extLst>
               <a:ext uri="{91240B29-F687-4f45-9708-019B960494DF}">
-                <a14:hiddenLine xmlns="" xmlns:a14="http://schemas.microsoft.com/office/drawing/2010/main" w="9525">
+                <a14:hiddenLine xmlns:a14="http://schemas.microsoft.com/office/drawing/2010/main" xmlns="" w="9525">
                   <a:solidFill>
                     <a:srgbClr val="000000"/>
                   </a:solidFill>
@@ -3474,7 +3473,7 @@
             </a:ln>
             <a:extLst>
               <a:ext uri="{91240B29-F687-4f45-9708-019B960494DF}">
-                <a14:hiddenLine xmlns="" xmlns:a14="http://schemas.microsoft.com/office/drawing/2010/main" w="9525">
+                <a14:hiddenLine xmlns:a14="http://schemas.microsoft.com/office/drawing/2010/main" xmlns="" w="9525">
                   <a:solidFill>
                     <a:srgbClr val="000000"/>
                   </a:solidFill>
@@ -3564,7 +3563,7 @@
             </a:ln>
             <a:extLst>
               <a:ext uri="{91240B29-F687-4f45-9708-019B960494DF}">
-                <a14:hiddenLine xmlns="" xmlns:a14="http://schemas.microsoft.com/office/drawing/2010/main" w="9525">
+                <a14:hiddenLine xmlns:a14="http://schemas.microsoft.com/office/drawing/2010/main" xmlns="" w="9525">
                   <a:solidFill>
                     <a:srgbClr val="000000"/>
                   </a:solidFill>
@@ -3626,7 +3625,7 @@
             </a:ln>
             <a:extLst>
               <a:ext uri="{91240B29-F687-4f45-9708-019B960494DF}">
-                <a14:hiddenLine xmlns="" xmlns:a14="http://schemas.microsoft.com/office/drawing/2010/main" w="9525">
+                <a14:hiddenLine xmlns:a14="http://schemas.microsoft.com/office/drawing/2010/main" xmlns="" w="9525">
                   <a:solidFill>
                     <a:srgbClr val="000000"/>
                   </a:solidFill>
@@ -3716,7 +3715,7 @@
             </a:ln>
             <a:extLst>
               <a:ext uri="{91240B29-F687-4f45-9708-019B960494DF}">
-                <a14:hiddenLine xmlns="" xmlns:a14="http://schemas.microsoft.com/office/drawing/2010/main" w="9525">
+                <a14:hiddenLine xmlns:a14="http://schemas.microsoft.com/office/drawing/2010/main" xmlns="" w="9525">
                   <a:solidFill>
                     <a:srgbClr val="000000"/>
                   </a:solidFill>
@@ -3750,7 +3749,7 @@
             </a:ln>
             <a:extLst>
               <a:ext uri="{91240B29-F687-4f45-9708-019B960494DF}">
-                <a14:hiddenLine xmlns="" xmlns:a14="http://schemas.microsoft.com/office/drawing/2010/main" w="9525">
+                <a14:hiddenLine xmlns:a14="http://schemas.microsoft.com/office/drawing/2010/main" xmlns="" w="9525">
                   <a:solidFill>
                     <a:srgbClr val="000000"/>
                   </a:solidFill>
@@ -3815,7 +3814,7 @@
             </a:ln>
             <a:extLst>
               <a:ext uri="{91240B29-F687-4f45-9708-019B960494DF}">
-                <a14:hiddenLine xmlns="" xmlns:a14="http://schemas.microsoft.com/office/drawing/2010/main" w="9525">
+                <a14:hiddenLine xmlns:a14="http://schemas.microsoft.com/office/drawing/2010/main" xmlns="" w="9525">
                   <a:solidFill>
                     <a:srgbClr val="000000"/>
                   </a:solidFill>
@@ -3905,7 +3904,7 @@
             </a:ln>
             <a:extLst>
               <a:ext uri="{91240B29-F687-4f45-9708-019B960494DF}">
-                <a14:hiddenLine xmlns="" xmlns:a14="http://schemas.microsoft.com/office/drawing/2010/main" w="9525">
+                <a14:hiddenLine xmlns:a14="http://schemas.microsoft.com/office/drawing/2010/main" xmlns="" w="9525">
                   <a:solidFill>
                     <a:srgbClr val="000000"/>
                   </a:solidFill>
@@ -3967,7 +3966,7 @@
             </a:ln>
             <a:extLst>
               <a:ext uri="{91240B29-F687-4f45-9708-019B960494DF}">
-                <a14:hiddenLine xmlns="" xmlns:a14="http://schemas.microsoft.com/office/drawing/2010/main" w="9525">
+                <a14:hiddenLine xmlns:a14="http://schemas.microsoft.com/office/drawing/2010/main" xmlns="" w="9525">
                   <a:solidFill>
                     <a:srgbClr val="000000"/>
                   </a:solidFill>
@@ -4057,7 +4056,7 @@
             </a:ln>
             <a:extLst>
               <a:ext uri="{91240B29-F687-4f45-9708-019B960494DF}">
-                <a14:hiddenLine xmlns="" xmlns:a14="http://schemas.microsoft.com/office/drawing/2010/main" w="9525">
+                <a14:hiddenLine xmlns:a14="http://schemas.microsoft.com/office/drawing/2010/main" xmlns="" w="9525">
                   <a:solidFill>
                     <a:srgbClr val="000000"/>
                   </a:solidFill>
@@ -4147,7 +4146,7 @@
             </a:ln>
             <a:extLst>
               <a:ext uri="{91240B29-F687-4f45-9708-019B960494DF}">
-                <a14:hiddenLine xmlns="" xmlns:a14="http://schemas.microsoft.com/office/drawing/2010/main" w="9525">
+                <a14:hiddenLine xmlns:a14="http://schemas.microsoft.com/office/drawing/2010/main" xmlns="" w="9525">
                   <a:solidFill>
                     <a:srgbClr val="000000"/>
                   </a:solidFill>
@@ -4212,7 +4211,7 @@
             </a:ln>
             <a:extLst>
               <a:ext uri="{91240B29-F687-4f45-9708-019B960494DF}">
-                <a14:hiddenLine xmlns="" xmlns:a14="http://schemas.microsoft.com/office/drawing/2010/main" w="9525">
+                <a14:hiddenLine xmlns:a14="http://schemas.microsoft.com/office/drawing/2010/main" xmlns="" w="9525">
                   <a:solidFill>
                     <a:srgbClr val="000000"/>
                   </a:solidFill>
@@ -4274,7 +4273,7 @@
             </a:ln>
             <a:extLst>
               <a:ext uri="{91240B29-F687-4f45-9708-019B960494DF}">
-                <a14:hiddenLine xmlns="" xmlns:a14="http://schemas.microsoft.com/office/drawing/2010/main" w="9525">
+                <a14:hiddenLine xmlns:a14="http://schemas.microsoft.com/office/drawing/2010/main" xmlns="" w="9525">
                   <a:solidFill>
                     <a:srgbClr val="000000"/>
                   </a:solidFill>
@@ -4364,7 +4363,7 @@
             </a:ln>
             <a:extLst>
               <a:ext uri="{91240B29-F687-4f45-9708-019B960494DF}">
-                <a14:hiddenLine xmlns="" xmlns:a14="http://schemas.microsoft.com/office/drawing/2010/main" w="9525">
+                <a14:hiddenLine xmlns:a14="http://schemas.microsoft.com/office/drawing/2010/main" xmlns="" w="9525">
                   <a:solidFill>
                     <a:srgbClr val="000000"/>
                   </a:solidFill>
@@ -4454,7 +4453,7 @@
             </a:ln>
             <a:extLst>
               <a:ext uri="{91240B29-F687-4f45-9708-019B960494DF}">
-                <a14:hiddenLine xmlns="" xmlns:a14="http://schemas.microsoft.com/office/drawing/2010/main" w="9525">
+                <a14:hiddenLine xmlns:a14="http://schemas.microsoft.com/office/drawing/2010/main" xmlns="" w="9525">
                   <a:solidFill>
                     <a:srgbClr val="000000"/>
                   </a:solidFill>
@@ -4516,7 +4515,7 @@
             </a:ln>
             <a:extLst>
               <a:ext uri="{91240B29-F687-4f45-9708-019B960494DF}">
-                <a14:hiddenLine xmlns="" xmlns:a14="http://schemas.microsoft.com/office/drawing/2010/main" w="9525">
+                <a14:hiddenLine xmlns:a14="http://schemas.microsoft.com/office/drawing/2010/main" xmlns="" w="9525">
                   <a:solidFill>
                     <a:srgbClr val="000000"/>
                   </a:solidFill>
@@ -4636,7 +4635,7 @@
             </a:ln>
             <a:extLst>
               <a:ext uri="{91240B29-F687-4f45-9708-019B960494DF}">
-                <a14:hiddenLine xmlns="" xmlns:a14="http://schemas.microsoft.com/office/drawing/2010/main" w="9525">
+                <a14:hiddenLine xmlns:a14="http://schemas.microsoft.com/office/drawing/2010/main" xmlns="" w="9525">
                   <a:solidFill>
                     <a:srgbClr val="000000"/>
                   </a:solidFill>
@@ -4704,7 +4703,7 @@
             </a:ln>
             <a:extLst>
               <a:ext uri="{91240B29-F687-4f45-9708-019B960494DF}">
-                <a14:hiddenLine xmlns="" xmlns:a14="http://schemas.microsoft.com/office/drawing/2010/main" w="9525">
+                <a14:hiddenLine xmlns:a14="http://schemas.microsoft.com/office/drawing/2010/main" xmlns="" w="9525">
                   <a:solidFill>
                     <a:srgbClr val="000000"/>
                   </a:solidFill>
@@ -4794,7 +4793,7 @@
             </a:ln>
             <a:extLst>
               <a:ext uri="{91240B29-F687-4f45-9708-019B960494DF}">
-                <a14:hiddenLine xmlns="" xmlns:a14="http://schemas.microsoft.com/office/drawing/2010/main" w="9525">
+                <a14:hiddenLine xmlns:a14="http://schemas.microsoft.com/office/drawing/2010/main" xmlns="" w="9525">
                   <a:solidFill>
                     <a:srgbClr val="000000"/>
                   </a:solidFill>
@@ -9670,7 +9669,7 @@
           <a:noFill/>
           <a:extLst>
             <a:ext uri="{909E8E84-426E-40dd-AFC4-6F175D3DCCD1}">
-              <a14:hiddenFill xmlns="" xmlns:a14="http://schemas.microsoft.com/office/drawing/2010/main">
+              <a14:hiddenFill xmlns:a14="http://schemas.microsoft.com/office/drawing/2010/main" xmlns="">
                 <a:solidFill>
                   <a:srgbClr val="FFFFFF"/>
                 </a:solidFill>
@@ -9744,7 +9743,7 @@
               </a:ln>
               <a:extLst>
                 <a:ext uri="{91240B29-F687-4f45-9708-019B960494DF}">
-                  <a14:hiddenLine xmlns="" xmlns:a14="http://schemas.microsoft.com/office/drawing/2010/main" w="9525">
+                  <a14:hiddenLine xmlns:a14="http://schemas.microsoft.com/office/drawing/2010/main" xmlns="" w="9525">
                     <a:solidFill>
                       <a:srgbClr val="000000"/>
                     </a:solidFill>
@@ -9834,7 +9833,7 @@
               </a:ln>
               <a:extLst>
                 <a:ext uri="{91240B29-F687-4f45-9708-019B960494DF}">
-                  <a14:hiddenLine xmlns="" xmlns:a14="http://schemas.microsoft.com/office/drawing/2010/main" w="9525">
+                  <a14:hiddenLine xmlns:a14="http://schemas.microsoft.com/office/drawing/2010/main" xmlns="" w="9525">
                     <a:solidFill>
                       <a:srgbClr val="000000"/>
                     </a:solidFill>
@@ -9924,7 +9923,7 @@
               </a:ln>
               <a:extLst>
                 <a:ext uri="{91240B29-F687-4f45-9708-019B960494DF}">
-                  <a14:hiddenLine xmlns="" xmlns:a14="http://schemas.microsoft.com/office/drawing/2010/main" w="9525">
+                  <a14:hiddenLine xmlns:a14="http://schemas.microsoft.com/office/drawing/2010/main" xmlns="" w="9525">
                     <a:solidFill>
                       <a:srgbClr val="000000"/>
                     </a:solidFill>
@@ -9986,7 +9985,7 @@
               </a:ln>
               <a:extLst>
                 <a:ext uri="{91240B29-F687-4f45-9708-019B960494DF}">
-                  <a14:hiddenLine xmlns="" xmlns:a14="http://schemas.microsoft.com/office/drawing/2010/main" w="9525">
+                  <a14:hiddenLine xmlns:a14="http://schemas.microsoft.com/office/drawing/2010/main" xmlns="" w="9525">
                     <a:solidFill>
                       <a:srgbClr val="000000"/>
                     </a:solidFill>
@@ -10076,7 +10075,7 @@
               </a:ln>
               <a:extLst>
                 <a:ext uri="{91240B29-F687-4f45-9708-019B960494DF}">
-                  <a14:hiddenLine xmlns="" xmlns:a14="http://schemas.microsoft.com/office/drawing/2010/main" w="9525">
+                  <a14:hiddenLine xmlns:a14="http://schemas.microsoft.com/office/drawing/2010/main" xmlns="" w="9525">
                     <a:solidFill>
                       <a:srgbClr val="000000"/>
                     </a:solidFill>
@@ -10138,7 +10137,7 @@
               </a:ln>
               <a:extLst>
                 <a:ext uri="{91240B29-F687-4f45-9708-019B960494DF}">
-                  <a14:hiddenLine xmlns="" xmlns:a14="http://schemas.microsoft.com/office/drawing/2010/main" w="9525">
+                  <a14:hiddenLine xmlns:a14="http://schemas.microsoft.com/office/drawing/2010/main" xmlns="" w="9525">
                     <a:solidFill>
                       <a:srgbClr val="000000"/>
                     </a:solidFill>
@@ -10200,7 +10199,7 @@
               </a:ln>
               <a:extLst>
                 <a:ext uri="{91240B29-F687-4f45-9708-019B960494DF}">
-                  <a14:hiddenLine xmlns="" xmlns:a14="http://schemas.microsoft.com/office/drawing/2010/main" w="9525">
+                  <a14:hiddenLine xmlns:a14="http://schemas.microsoft.com/office/drawing/2010/main" xmlns="" w="9525">
                     <a:solidFill>
                       <a:srgbClr val="000000"/>
                     </a:solidFill>
@@ -10290,7 +10289,7 @@
               </a:ln>
               <a:extLst>
                 <a:ext uri="{91240B29-F687-4f45-9708-019B960494DF}">
-                  <a14:hiddenLine xmlns="" xmlns:a14="http://schemas.microsoft.com/office/drawing/2010/main" w="9525">
+                  <a14:hiddenLine xmlns:a14="http://schemas.microsoft.com/office/drawing/2010/main" xmlns="" w="9525">
                     <a:solidFill>
                       <a:srgbClr val="000000"/>
                     </a:solidFill>
@@ -10380,7 +10379,7 @@
               </a:ln>
               <a:extLst>
                 <a:ext uri="{91240B29-F687-4f45-9708-019B960494DF}">
-                  <a14:hiddenLine xmlns="" xmlns:a14="http://schemas.microsoft.com/office/drawing/2010/main" w="9525">
+                  <a14:hiddenLine xmlns:a14="http://schemas.microsoft.com/office/drawing/2010/main" xmlns="" w="9525">
                     <a:solidFill>
                       <a:srgbClr val="000000"/>
                     </a:solidFill>
@@ -10442,7 +10441,7 @@
               </a:ln>
               <a:extLst>
                 <a:ext uri="{91240B29-F687-4f45-9708-019B960494DF}">
-                  <a14:hiddenLine xmlns="" xmlns:a14="http://schemas.microsoft.com/office/drawing/2010/main" w="9525">
+                  <a14:hiddenLine xmlns:a14="http://schemas.microsoft.com/office/drawing/2010/main" xmlns="" w="9525">
                     <a:solidFill>
                       <a:srgbClr val="000000"/>
                     </a:solidFill>
@@ -10552,7 +10551,7 @@
               </a:ln>
               <a:extLst>
                 <a:ext uri="{91240B29-F687-4f45-9708-019B960494DF}">
-                  <a14:hiddenLine xmlns="" xmlns:a14="http://schemas.microsoft.com/office/drawing/2010/main" w="9525">
+                  <a14:hiddenLine xmlns:a14="http://schemas.microsoft.com/office/drawing/2010/main" xmlns="" w="9525">
                     <a:solidFill>
                       <a:srgbClr val="000000"/>
                     </a:solidFill>
@@ -10636,7 +10635,7 @@
               </a:ln>
               <a:extLst>
                 <a:ext uri="{91240B29-F687-4f45-9708-019B960494DF}">
-                  <a14:hiddenLine xmlns="" xmlns:a14="http://schemas.microsoft.com/office/drawing/2010/main" w="9525">
+                  <a14:hiddenLine xmlns:a14="http://schemas.microsoft.com/office/drawing/2010/main" xmlns="" w="9525">
                     <a:solidFill>
                       <a:srgbClr val="000000"/>
                     </a:solidFill>
@@ -10698,7 +10697,7 @@
               </a:ln>
               <a:extLst>
                 <a:ext uri="{91240B29-F687-4f45-9708-019B960494DF}">
-                  <a14:hiddenLine xmlns="" xmlns:a14="http://schemas.microsoft.com/office/drawing/2010/main" w="9525">
+                  <a14:hiddenLine xmlns:a14="http://schemas.microsoft.com/office/drawing/2010/main" xmlns="" w="9525">
                     <a:solidFill>
                       <a:srgbClr val="000000"/>
                     </a:solidFill>
@@ -10760,7 +10759,7 @@
               </a:ln>
               <a:extLst>
                 <a:ext uri="{91240B29-F687-4f45-9708-019B960494DF}">
-                  <a14:hiddenLine xmlns="" xmlns:a14="http://schemas.microsoft.com/office/drawing/2010/main" w="9525">
+                  <a14:hiddenLine xmlns:a14="http://schemas.microsoft.com/office/drawing/2010/main" xmlns="" w="9525">
                     <a:solidFill>
                       <a:srgbClr val="000000"/>
                     </a:solidFill>
@@ -10850,7 +10849,7 @@
               </a:ln>
               <a:extLst>
                 <a:ext uri="{91240B29-F687-4f45-9708-019B960494DF}">
-                  <a14:hiddenLine xmlns="" xmlns:a14="http://schemas.microsoft.com/office/drawing/2010/main" w="9525">
+                  <a14:hiddenLine xmlns:a14="http://schemas.microsoft.com/office/drawing/2010/main" xmlns="" w="9525">
                     <a:solidFill>
                       <a:srgbClr val="000000"/>
                     </a:solidFill>
@@ -10884,7 +10883,7 @@
               </a:ln>
               <a:extLst>
                 <a:ext uri="{91240B29-F687-4f45-9708-019B960494DF}">
-                  <a14:hiddenLine xmlns="" xmlns:a14="http://schemas.microsoft.com/office/drawing/2010/main" w="9525">
+                  <a14:hiddenLine xmlns:a14="http://schemas.microsoft.com/office/drawing/2010/main" xmlns="" w="9525">
                     <a:solidFill>
                       <a:srgbClr val="000000"/>
                     </a:solidFill>
@@ -10949,7 +10948,7 @@
               </a:ln>
               <a:extLst>
                 <a:ext uri="{91240B29-F687-4f45-9708-019B960494DF}">
-                  <a14:hiddenLine xmlns="" xmlns:a14="http://schemas.microsoft.com/office/drawing/2010/main" w="9525">
+                  <a14:hiddenLine xmlns:a14="http://schemas.microsoft.com/office/drawing/2010/main" xmlns="" w="9525">
                     <a:solidFill>
                       <a:srgbClr val="000000"/>
                     </a:solidFill>
@@ -11039,7 +11038,7 @@
               </a:ln>
               <a:extLst>
                 <a:ext uri="{91240B29-F687-4f45-9708-019B960494DF}">
-                  <a14:hiddenLine xmlns="" xmlns:a14="http://schemas.microsoft.com/office/drawing/2010/main" w="9525">
+                  <a14:hiddenLine xmlns:a14="http://schemas.microsoft.com/office/drawing/2010/main" xmlns="" w="9525">
                     <a:solidFill>
                       <a:srgbClr val="000000"/>
                     </a:solidFill>
@@ -11101,7 +11100,7 @@
               </a:ln>
               <a:extLst>
                 <a:ext uri="{91240B29-F687-4f45-9708-019B960494DF}">
-                  <a14:hiddenLine xmlns="" xmlns:a14="http://schemas.microsoft.com/office/drawing/2010/main" w="9525">
+                  <a14:hiddenLine xmlns:a14="http://schemas.microsoft.com/office/drawing/2010/main" xmlns="" w="9525">
                     <a:solidFill>
                       <a:srgbClr val="000000"/>
                     </a:solidFill>
@@ -11191,7 +11190,7 @@
               </a:ln>
               <a:extLst>
                 <a:ext uri="{91240B29-F687-4f45-9708-019B960494DF}">
-                  <a14:hiddenLine xmlns="" xmlns:a14="http://schemas.microsoft.com/office/drawing/2010/main" w="9525">
+                  <a14:hiddenLine xmlns:a14="http://schemas.microsoft.com/office/drawing/2010/main" xmlns="" w="9525">
                     <a:solidFill>
                       <a:srgbClr val="000000"/>
                     </a:solidFill>
@@ -11256,7 +11255,7 @@
               </a:ln>
               <a:extLst>
                 <a:ext uri="{91240B29-F687-4f45-9708-019B960494DF}">
-                  <a14:hiddenLine xmlns="" xmlns:a14="http://schemas.microsoft.com/office/drawing/2010/main" w="9525">
+                  <a14:hiddenLine xmlns:a14="http://schemas.microsoft.com/office/drawing/2010/main" xmlns="" w="9525">
                     <a:solidFill>
                       <a:srgbClr val="000000"/>
                     </a:solidFill>
@@ -11318,7 +11317,7 @@
               </a:ln>
               <a:extLst>
                 <a:ext uri="{91240B29-F687-4f45-9708-019B960494DF}">
-                  <a14:hiddenLine xmlns="" xmlns:a14="http://schemas.microsoft.com/office/drawing/2010/main" w="9525">
+                  <a14:hiddenLine xmlns:a14="http://schemas.microsoft.com/office/drawing/2010/main" xmlns="" w="9525">
                     <a:solidFill>
                       <a:srgbClr val="000000"/>
                     </a:solidFill>
@@ -11408,7 +11407,7 @@
               </a:ln>
               <a:extLst>
                 <a:ext uri="{91240B29-F687-4f45-9708-019B960494DF}">
-                  <a14:hiddenLine xmlns="" xmlns:a14="http://schemas.microsoft.com/office/drawing/2010/main" w="9525">
+                  <a14:hiddenLine xmlns:a14="http://schemas.microsoft.com/office/drawing/2010/main" xmlns="" w="9525">
                     <a:solidFill>
                       <a:srgbClr val="000000"/>
                     </a:solidFill>
@@ -11498,7 +11497,7 @@
               </a:ln>
               <a:extLst>
                 <a:ext uri="{91240B29-F687-4f45-9708-019B960494DF}">
-                  <a14:hiddenLine xmlns="" xmlns:a14="http://schemas.microsoft.com/office/drawing/2010/main" w="9525">
+                  <a14:hiddenLine xmlns:a14="http://schemas.microsoft.com/office/drawing/2010/main" xmlns="" w="9525">
                     <a:solidFill>
                       <a:srgbClr val="000000"/>
                     </a:solidFill>
@@ -11563,7 +11562,7 @@
               </a:ln>
               <a:extLst>
                 <a:ext uri="{91240B29-F687-4f45-9708-019B960494DF}">
-                  <a14:hiddenLine xmlns="" xmlns:a14="http://schemas.microsoft.com/office/drawing/2010/main" w="9525">
+                  <a14:hiddenLine xmlns:a14="http://schemas.microsoft.com/office/drawing/2010/main" xmlns="" w="9525">
                     <a:solidFill>
                       <a:srgbClr val="000000"/>
                     </a:solidFill>
@@ -11683,7 +11682,7 @@
               </a:ln>
               <a:extLst>
                 <a:ext uri="{91240B29-F687-4f45-9708-019B960494DF}">
-                  <a14:hiddenLine xmlns="" xmlns:a14="http://schemas.microsoft.com/office/drawing/2010/main" w="9525">
+                  <a14:hiddenLine xmlns:a14="http://schemas.microsoft.com/office/drawing/2010/main" xmlns="" w="9525">
                     <a:solidFill>
                       <a:srgbClr val="000000"/>
                     </a:solidFill>
@@ -11764,7 +11763,7 @@
               </a:ln>
               <a:extLst>
                 <a:ext uri="{91240B29-F687-4f45-9708-019B960494DF}">
-                  <a14:hiddenLine xmlns="" xmlns:a14="http://schemas.microsoft.com/office/drawing/2010/main" w="9525">
+                  <a14:hiddenLine xmlns:a14="http://schemas.microsoft.com/office/drawing/2010/main" xmlns="" w="9525">
                     <a:solidFill>
                       <a:srgbClr val="000000"/>
                     </a:solidFill>
@@ -11879,7 +11878,7 @@
               </a:ln>
               <a:extLst>
                 <a:ext uri="{91240B29-F687-4f45-9708-019B960494DF}">
-                  <a14:hiddenLine xmlns="" xmlns:a14="http://schemas.microsoft.com/office/drawing/2010/main" w="9525">
+                  <a14:hiddenLine xmlns:a14="http://schemas.microsoft.com/office/drawing/2010/main" xmlns="" w="9525">
                     <a:solidFill>
                       <a:srgbClr val="000000"/>
                     </a:solidFill>
@@ -11969,7 +11968,7 @@
               </a:ln>
               <a:extLst>
                 <a:ext uri="{91240B29-F687-4f45-9708-019B960494DF}">
-                  <a14:hiddenLine xmlns="" xmlns:a14="http://schemas.microsoft.com/office/drawing/2010/main" w="9525">
+                  <a14:hiddenLine xmlns:a14="http://schemas.microsoft.com/office/drawing/2010/main" xmlns="" w="9525">
                     <a:solidFill>
                       <a:srgbClr val="000000"/>
                     </a:solidFill>
@@ -12034,7 +12033,7 @@
               </a:ln>
               <a:extLst>
                 <a:ext uri="{91240B29-F687-4f45-9708-019B960494DF}">
-                  <a14:hiddenLine xmlns="" xmlns:a14="http://schemas.microsoft.com/office/drawing/2010/main" w="9525">
+                  <a14:hiddenLine xmlns:a14="http://schemas.microsoft.com/office/drawing/2010/main" xmlns="" w="9525">
                     <a:solidFill>
                       <a:srgbClr val="000000"/>
                     </a:solidFill>
@@ -12124,7 +12123,7 @@
               </a:ln>
               <a:extLst>
                 <a:ext uri="{91240B29-F687-4f45-9708-019B960494DF}">
-                  <a14:hiddenLine xmlns="" xmlns:a14="http://schemas.microsoft.com/office/drawing/2010/main" w="9525">
+                  <a14:hiddenLine xmlns:a14="http://schemas.microsoft.com/office/drawing/2010/main" xmlns="" w="9525">
                     <a:solidFill>
                       <a:srgbClr val="000000"/>
                     </a:solidFill>
@@ -12192,7 +12191,7 @@
               </a:ln>
               <a:extLst>
                 <a:ext uri="{91240B29-F687-4f45-9708-019B960494DF}">
-                  <a14:hiddenLine xmlns="" xmlns:a14="http://schemas.microsoft.com/office/drawing/2010/main" w="9525">
+                  <a14:hiddenLine xmlns:a14="http://schemas.microsoft.com/office/drawing/2010/main" xmlns="" w="9525">
                     <a:solidFill>
                       <a:srgbClr val="000000"/>
                     </a:solidFill>
@@ -12282,7 +12281,7 @@
               </a:ln>
               <a:extLst>
                 <a:ext uri="{91240B29-F687-4f45-9708-019B960494DF}">
-                  <a14:hiddenLine xmlns="" xmlns:a14="http://schemas.microsoft.com/office/drawing/2010/main" w="9525">
+                  <a14:hiddenLine xmlns:a14="http://schemas.microsoft.com/office/drawing/2010/main" xmlns="" w="9525">
                     <a:solidFill>
                       <a:srgbClr val="000000"/>
                     </a:solidFill>
@@ -12350,7 +12349,7 @@
               </a:ln>
               <a:extLst>
                 <a:ext uri="{91240B29-F687-4f45-9708-019B960494DF}">
-                  <a14:hiddenLine xmlns="" xmlns:a14="http://schemas.microsoft.com/office/drawing/2010/main" w="9525">
+                  <a14:hiddenLine xmlns:a14="http://schemas.microsoft.com/office/drawing/2010/main" xmlns="" w="9525">
                     <a:solidFill>
                       <a:srgbClr val="000000"/>
                     </a:solidFill>
@@ -12440,7 +12439,7 @@
               </a:ln>
               <a:extLst>
                 <a:ext uri="{91240B29-F687-4f45-9708-019B960494DF}">
-                  <a14:hiddenLine xmlns="" xmlns:a14="http://schemas.microsoft.com/office/drawing/2010/main" w="9525">
+                  <a14:hiddenLine xmlns:a14="http://schemas.microsoft.com/office/drawing/2010/main" xmlns="" w="9525">
                     <a:solidFill>
                       <a:srgbClr val="000000"/>
                     </a:solidFill>
@@ -12474,7 +12473,7 @@
               </a:ln>
               <a:extLst>
                 <a:ext uri="{91240B29-F687-4f45-9708-019B960494DF}">
-                  <a14:hiddenLine xmlns="" xmlns:a14="http://schemas.microsoft.com/office/drawing/2010/main" w="9525">
+                  <a14:hiddenLine xmlns:a14="http://schemas.microsoft.com/office/drawing/2010/main" xmlns="" w="9525">
                     <a:solidFill>
                       <a:srgbClr val="000000"/>
                     </a:solidFill>
@@ -13855,7 +13854,7 @@
                               <a:solidFill>
                                 <a:schemeClr val="accent2"/>
                               </a:solidFill>
-                              <a:latin typeface="Cambria Math" panose="02040503050406030204" pitchFamily="18" charset="0"/>
+                              <a:latin typeface="Cambria Math" charset="0"/>
                             </a:rPr>
                           </m:ctrlPr>
                         </m:accPr>
@@ -14238,7 +14237,7 @@
                                 <a:solidFill>
                                   <a:schemeClr val="accent2"/>
                                 </a:solidFill>
-                                <a:latin typeface="Cambria Math" panose="02040503050406030204" pitchFamily="18" charset="0"/>
+                                <a:latin typeface="Cambria Math" charset="0"/>
                               </a:rPr>
                             </m:ctrlPr>
                           </m:sSubPr>
@@ -14251,7 +14250,7 @@
                                     <a:solidFill>
                                       <a:schemeClr val="accent2"/>
                                     </a:solidFill>
-                                    <a:latin typeface="Cambria Math" panose="02040503050406030204" pitchFamily="18" charset="0"/>
+                                    <a:latin typeface="Cambria Math" charset="0"/>
                                   </a:rPr>
                                 </m:ctrlPr>
                               </m:accPr>
@@ -14453,7 +14452,7 @@
                       <m:funcPr>
                         <m:ctrlPr>
                           <a:rPr lang="en-CA" i="1" smtClean="0">
-                            <a:latin typeface="Cambria Math" panose="02040503050406030204" pitchFamily="18" charset="0"/>
+                            <a:latin typeface="Cambria Math" charset="0"/>
                           </a:rPr>
                         </m:ctrlPr>
                       </m:funcPr>
@@ -14462,7 +14461,7 @@
                           <m:limLowPr>
                             <m:ctrlPr>
                               <a:rPr lang="en-CA" i="1" smtClean="0">
-                                <a:latin typeface="Cambria Math" panose="02040503050406030204" pitchFamily="18" charset="0"/>
+                                <a:latin typeface="Cambria Math" charset="0"/>
                               </a:rPr>
                             </m:ctrlPr>
                           </m:limLowPr>
@@ -14510,7 +14509,7 @@
                           <m:sSupPr>
                             <m:ctrlPr>
                               <a:rPr lang="en-CA" i="1" smtClean="0">
-                                <a:latin typeface="Cambria Math" panose="02040503050406030204" pitchFamily="18" charset="0"/>
+                                <a:latin typeface="Cambria Math" charset="0"/>
                               </a:rPr>
                             </m:ctrlPr>
                           </m:sSupPr>
@@ -14537,7 +14536,7 @@
                               <m:sSubPr>
                                 <m:ctrlPr>
                                   <a:rPr lang="en-CA" b="0" i="1" smtClean="0">
-                                    <a:latin typeface="Cambria Math" panose="02040503050406030204" pitchFamily="18" charset="0"/>
+                                    <a:latin typeface="Cambria Math" charset="0"/>
                                   </a:rPr>
                                 </m:ctrlPr>
                               </m:sSubPr>
@@ -14592,7 +14591,7 @@
                       <m:sSubPr>
                         <m:ctrlPr>
                           <a:rPr lang="en-CA" b="0" i="1" smtClean="0">
-                            <a:latin typeface="Cambria Math" panose="02040503050406030204" pitchFamily="18" charset="0"/>
+                            <a:latin typeface="Cambria Math" charset="0"/>
                           </a:rPr>
                         </m:ctrlPr>
                       </m:sSubPr>
@@ -14623,7 +14622,7 @@
                       <m:dPr>
                         <m:ctrlPr>
                           <a:rPr lang="en-CA" b="0" i="1" smtClean="0">
-                            <a:latin typeface="Cambria Math" panose="02040503050406030204" pitchFamily="18" charset="0"/>
+                            <a:latin typeface="Cambria Math" charset="0"/>
                           </a:rPr>
                         </m:ctrlPr>
                       </m:dPr>
@@ -14650,7 +14649,7 @@
                           <m:sSubPr>
                             <m:ctrlPr>
                               <a:rPr lang="en-CA" i="1">
-                                <a:latin typeface="Cambria Math" panose="02040503050406030204" pitchFamily="18" charset="0"/>
+                                <a:latin typeface="Cambria Math" charset="0"/>
                               </a:rPr>
                             </m:ctrlPr>
                           </m:sSubPr>
@@ -14689,7 +14688,7 @@
                       <m:sSupPr>
                         <m:ctrlPr>
                           <a:rPr lang="en-CA" b="0" i="1" smtClean="0">
-                            <a:latin typeface="Cambria Math" panose="02040503050406030204" pitchFamily="18" charset="0"/>
+                            <a:latin typeface="Cambria Math" charset="0"/>
                           </a:rPr>
                         </m:ctrlPr>
                       </m:sSupPr>
@@ -14726,7 +14725,7 @@
                       <m:sSubPr>
                         <m:ctrlPr>
                           <a:rPr lang="en-CA" b="0" i="1" smtClean="0">
-                            <a:latin typeface="Cambria Math" panose="02040503050406030204" pitchFamily="18" charset="0"/>
+                            <a:latin typeface="Cambria Math" charset="0"/>
                           </a:rPr>
                         </m:ctrlPr>
                       </m:sSubPr>
@@ -14804,7 +14803,7 @@
                       <m:sSubPr>
                         <m:ctrlPr>
                           <a:rPr lang="en-CA" i="1">
-                            <a:latin typeface="Cambria Math" panose="02040503050406030204" pitchFamily="18" charset="0"/>
+                            <a:latin typeface="Cambria Math" charset="0"/>
                             <a:ea typeface="Cambria Math" panose="02040503050406030204" pitchFamily="18" charset="0"/>
                           </a:rPr>
                         </m:ctrlPr>
@@ -14853,7 +14852,7 @@
                       <m:sSubPr>
                         <m:ctrlPr>
                           <a:rPr lang="en-CA" i="1">
-                            <a:latin typeface="Cambria Math" panose="02040503050406030204" pitchFamily="18" charset="0"/>
+                            <a:latin typeface="Cambria Math" charset="0"/>
                             <a:ea typeface="Cambria Math" panose="02040503050406030204" pitchFamily="18" charset="0"/>
                           </a:rPr>
                         </m:ctrlPr>
@@ -14902,7 +14901,7 @@
                       <m:sSubPr>
                         <m:ctrlPr>
                           <a:rPr lang="en-CA" i="1">
-                            <a:latin typeface="Cambria Math" panose="02040503050406030204" pitchFamily="18" charset="0"/>
+                            <a:latin typeface="Cambria Math" charset="0"/>
                             <a:ea typeface="Cambria Math" panose="02040503050406030204" pitchFamily="18" charset="0"/>
                           </a:rPr>
                         </m:ctrlPr>
@@ -14922,7 +14921,7 @@
                             <m:chr m:val="̇"/>
                             <m:ctrlPr>
                               <a:rPr lang="en-CA" i="1" smtClean="0">
-                                <a:latin typeface="Cambria Math" panose="02040503050406030204" pitchFamily="18" charset="0"/>
+                                <a:latin typeface="Cambria Math" charset="0"/>
                                 <a:ea typeface="Cambria Math" panose="02040503050406030204" pitchFamily="18" charset="0"/>
                               </a:rPr>
                             </m:ctrlPr>
@@ -14944,7 +14943,7 @@
                         <m:chr m:val="̇"/>
                         <m:ctrlPr>
                           <a:rPr lang="en-CA" i="1" smtClean="0">
-                            <a:latin typeface="Cambria Math" panose="02040503050406030204" pitchFamily="18" charset="0"/>
+                            <a:latin typeface="Cambria Math" charset="0"/>
                             <a:ea typeface="Cambria Math" panose="02040503050406030204" pitchFamily="18" charset="0"/>
                           </a:rPr>
                         </m:ctrlPr>
@@ -14970,7 +14969,7 @@
                       <m:sSubPr>
                         <m:ctrlPr>
                           <a:rPr lang="en-CA" b="0" i="1" smtClean="0">
-                            <a:latin typeface="Cambria Math" panose="02040503050406030204" pitchFamily="18" charset="0"/>
+                            <a:latin typeface="Cambria Math" charset="0"/>
                             <a:ea typeface="Cambria Math" panose="02040503050406030204" pitchFamily="18" charset="0"/>
                           </a:rPr>
                         </m:ctrlPr>
@@ -15021,7 +15020,7 @@
                       <m:sSubPr>
                         <m:ctrlPr>
                           <a:rPr lang="en-CA" i="1" smtClean="0">
-                            <a:latin typeface="Cambria Math" panose="02040503050406030204" pitchFamily="18" charset="0"/>
+                            <a:latin typeface="Cambria Math" charset="0"/>
                           </a:rPr>
                         </m:ctrlPr>
                       </m:sSubPr>
@@ -15086,7 +15085,7 @@
                       <m:sSubPr>
                         <m:ctrlPr>
                           <a:rPr lang="en-CA" b="0" i="1" smtClean="0">
-                            <a:latin typeface="Cambria Math" panose="02040503050406030204" pitchFamily="18" charset="0"/>
+                            <a:latin typeface="Cambria Math" charset="0"/>
                             <a:ea typeface="Cambria Math" panose="02040503050406030204" pitchFamily="18" charset="0"/>
                           </a:rPr>
                         </m:ctrlPr>
@@ -15374,22 +15373,27 @@
           <a:p>
             <a:r>
               <a:rPr lang="en-CA" dirty="0" smtClean="0"/>
-              <a:t>Used to evaluate other controllers: best performance possible with MPC</a:t>
-            </a:r>
-          </a:p>
-          <a:p>
+              <a:t>Used </a:t>
+            </a:r>
             <a:r>
               <a:rPr lang="en-CA" dirty="0" smtClean="0"/>
-              <a:t>Outputs: SD1, SD2, </a:t>
-            </a:r>
-            <a:r>
-              <a:rPr lang="en-CA" dirty="0" err="1" smtClean="0"/>
-              <a:t>Pd</a:t>
-            </a:r>
+              <a:t>as benchmark for other controllers</a:t>
+            </a:r>
+          </a:p>
+          <a:p>
             <a:r>
               <a:rPr lang="en-CA" dirty="0" smtClean="0"/>
-              <a:t>, pout1-pout2</a:t>
-            </a:r>
+              <a:t>Outputs</a:t>
+            </a:r>
+            <a:r>
+              <a:rPr lang="en-CA" dirty="0" smtClean="0"/>
+              <a:t>: </a:t>
+            </a:r>
+            <a:r>
+              <a:rPr lang="en-CA" dirty="0" smtClean="0"/>
+              <a:t>SD and p2 for both compressors</a:t>
+            </a:r>
+            <a:endParaRPr lang="en-CA" dirty="0" smtClean="0"/>
           </a:p>
         </p:txBody>
       </p:sp>
@@ -15565,401 +15569,399 @@
             </p:spPr>
             <p:txBody>
               <a:bodyPr>
-                <a:normAutofit lnSpcReduction="10000"/>
+                <a:normAutofit fontScale="92500" lnSpcReduction="10000"/>
               </a:bodyPr>
               <a:lstStyle/>
               <a:p>
-                <a:r>
-                  <a:rPr lang="en-CA" dirty="0" smtClean="0"/>
-                  <a:t>Solve separate, smaller QP for each controller individually</a:t>
-                </a:r>
-              </a:p>
-              <a:p>
-                <a:r>
-                  <a:rPr lang="en-CA" dirty="0" smtClean="0"/>
-                  <a:t>Now have: 	</a:t>
-                </a:r>
+                <a:pPr marL="0" indent="0">
+                  <a:buNone/>
+                </a:pPr>
                 <a14:m>
-                  <m:oMath xmlns:m="http://schemas.openxmlformats.org/officeDocument/2006/math">
-                    <m:r>
-                      <a:rPr lang="en-US" i="1">
-                        <a:latin typeface="Cambria Math" panose="02040503050406030204" pitchFamily="18" charset="0"/>
-                        <a:ea typeface="Cambria Math" panose="02040503050406030204" pitchFamily="18" charset="0"/>
-                      </a:rPr>
-                      <m:t>∆</m:t>
-                    </m:r>
-                    <m:r>
-                      <a:rPr lang="en-CA" i="1">
-                        <a:latin typeface="Cambria Math" panose="02040503050406030204" pitchFamily="18" charset="0"/>
-                        <a:ea typeface="Cambria Math" panose="02040503050406030204" pitchFamily="18" charset="0"/>
-                      </a:rPr>
-                      <m:t>𝑌</m:t>
-                    </m:r>
-                    <m:r>
-                      <a:rPr lang="en-CA" i="1">
-                        <a:latin typeface="Cambria Math" panose="02040503050406030204" pitchFamily="18" charset="0"/>
-                        <a:ea typeface="Cambria Math" panose="02040503050406030204" pitchFamily="18" charset="0"/>
-                      </a:rPr>
-                      <m:t>=</m:t>
-                    </m:r>
-                    <m:sSub>
-                      <m:sSubPr>
-                        <m:ctrlPr>
-                          <a:rPr lang="en-CA" i="1">
-                            <a:latin typeface="Cambria Math" panose="02040503050406030204" pitchFamily="18" charset="0"/>
-                            <a:ea typeface="Cambria Math" panose="02040503050406030204" pitchFamily="18" charset="0"/>
-                          </a:rPr>
-                        </m:ctrlPr>
-                      </m:sSubPr>
-                      <m:e>
-                        <m:r>
-                          <a:rPr lang="en-CA" i="1">
-                            <a:latin typeface="Cambria Math" panose="02040503050406030204" pitchFamily="18" charset="0"/>
-                            <a:ea typeface="Cambria Math" panose="02040503050406030204" pitchFamily="18" charset="0"/>
-                          </a:rPr>
-                          <m:t>𝑆</m:t>
-                        </m:r>
-                      </m:e>
-                      <m:sub>
-                        <m:r>
-                          <a:rPr lang="en-CA" i="1">
-                            <a:latin typeface="Cambria Math" panose="02040503050406030204" pitchFamily="18" charset="0"/>
-                            <a:ea typeface="Cambria Math" panose="02040503050406030204" pitchFamily="18" charset="0"/>
-                          </a:rPr>
-                          <m:t>𝑥</m:t>
-                        </m:r>
-                      </m:sub>
-                    </m:sSub>
-                    <m:r>
-                      <a:rPr lang="en-CA" i="1">
-                        <a:latin typeface="Cambria Math" panose="02040503050406030204" pitchFamily="18" charset="0"/>
-                        <a:ea typeface="Cambria Math" panose="02040503050406030204" pitchFamily="18" charset="0"/>
-                      </a:rPr>
-                      <m:t>∆</m:t>
-                    </m:r>
-                    <m:r>
-                      <a:rPr lang="en-CA" i="1">
-                        <a:latin typeface="Cambria Math" panose="02040503050406030204" pitchFamily="18" charset="0"/>
-                        <a:ea typeface="Cambria Math" panose="02040503050406030204" pitchFamily="18" charset="0"/>
-                      </a:rPr>
-                      <m:t>𝑥</m:t>
-                    </m:r>
-                    <m:r>
-                      <a:rPr lang="en-CA" i="1">
-                        <a:latin typeface="Cambria Math" panose="02040503050406030204" pitchFamily="18" charset="0"/>
-                        <a:ea typeface="Cambria Math" panose="02040503050406030204" pitchFamily="18" charset="0"/>
-                      </a:rPr>
-                      <m:t>+ </m:t>
-                    </m:r>
-                    <m:sSub>
-                      <m:sSubPr>
-                        <m:ctrlPr>
-                          <a:rPr lang="en-CA" i="1" smtClean="0">
-                            <a:solidFill>
-                              <a:schemeClr val="accent4"/>
-                            </a:solidFill>
-                            <a:latin typeface="Cambria Math" panose="02040503050406030204" pitchFamily="18" charset="0"/>
-                            <a:ea typeface="Cambria Math" panose="02040503050406030204" pitchFamily="18" charset="0"/>
-                          </a:rPr>
-                        </m:ctrlPr>
-                      </m:sSubPr>
-                      <m:e>
-                        <m:r>
-                          <a:rPr lang="en-CA" i="1">
-                            <a:solidFill>
-                              <a:schemeClr val="accent4"/>
-                            </a:solidFill>
-                            <a:latin typeface="Cambria Math" panose="02040503050406030204" pitchFamily="18" charset="0"/>
-                            <a:ea typeface="Cambria Math" panose="02040503050406030204" pitchFamily="18" charset="0"/>
-                          </a:rPr>
-                          <m:t>𝑆</m:t>
-                        </m:r>
-                      </m:e>
-                      <m:sub>
-                        <m:r>
-                          <a:rPr lang="en-CA" i="1">
-                            <a:solidFill>
-                              <a:schemeClr val="accent4"/>
-                            </a:solidFill>
-                            <a:latin typeface="Cambria Math" panose="02040503050406030204" pitchFamily="18" charset="0"/>
-                            <a:ea typeface="Cambria Math" panose="02040503050406030204" pitchFamily="18" charset="0"/>
-                          </a:rPr>
-                          <m:t>𝑢</m:t>
-                        </m:r>
-                        <m:r>
-                          <a:rPr lang="en-CA" b="0" i="1" smtClean="0">
-                            <a:solidFill>
-                              <a:schemeClr val="accent4"/>
-                            </a:solidFill>
-                            <a:latin typeface="Cambria Math" panose="02040503050406030204" pitchFamily="18" charset="0"/>
-                            <a:ea typeface="Cambria Math" panose="02040503050406030204" pitchFamily="18" charset="0"/>
-                          </a:rPr>
-                          <m:t>1</m:t>
-                        </m:r>
-                      </m:sub>
-                    </m:sSub>
-                    <m:r>
-                      <a:rPr lang="en-CA" i="1">
-                        <a:solidFill>
-                          <a:schemeClr val="accent4"/>
-                        </a:solidFill>
-                        <a:latin typeface="Cambria Math" panose="02040503050406030204" pitchFamily="18" charset="0"/>
-                        <a:ea typeface="Cambria Math" panose="02040503050406030204" pitchFamily="18" charset="0"/>
-                      </a:rPr>
-                      <m:t>∆</m:t>
-                    </m:r>
-                    <m:sSub>
-                      <m:sSubPr>
-                        <m:ctrlPr>
-                          <a:rPr lang="en-CA" i="1" smtClean="0">
-                            <a:solidFill>
-                              <a:schemeClr val="accent4"/>
-                            </a:solidFill>
-                            <a:latin typeface="Cambria Math" panose="02040503050406030204" pitchFamily="18" charset="0"/>
-                            <a:ea typeface="Cambria Math" panose="02040503050406030204" pitchFamily="18" charset="0"/>
-                          </a:rPr>
-                        </m:ctrlPr>
-                      </m:sSubPr>
-                      <m:e>
-                        <m:r>
-                          <a:rPr lang="en-CA" b="0" i="1" smtClean="0">
-                            <a:solidFill>
-                              <a:schemeClr val="accent4"/>
-                            </a:solidFill>
-                            <a:latin typeface="Cambria Math" panose="02040503050406030204" pitchFamily="18" charset="0"/>
-                            <a:ea typeface="Cambria Math" panose="02040503050406030204" pitchFamily="18" charset="0"/>
-                          </a:rPr>
-                          <m:t>𝑢</m:t>
-                        </m:r>
-                      </m:e>
-                      <m:sub>
-                        <m:r>
-                          <a:rPr lang="en-CA" b="0" i="1" smtClean="0">
-                            <a:solidFill>
-                              <a:schemeClr val="accent4"/>
-                            </a:solidFill>
-                            <a:latin typeface="Cambria Math" panose="02040503050406030204" pitchFamily="18" charset="0"/>
-                            <a:ea typeface="Cambria Math" panose="02040503050406030204" pitchFamily="18" charset="0"/>
-                          </a:rPr>
-                          <m:t>1</m:t>
-                        </m:r>
-                      </m:sub>
-                    </m:sSub>
-                    <m:r>
-                      <a:rPr lang="en-CA" b="0" i="1" smtClean="0">
-                        <a:solidFill>
-                          <a:schemeClr val="accent4"/>
-                        </a:solidFill>
-                        <a:latin typeface="Cambria Math" panose="02040503050406030204" pitchFamily="18" charset="0"/>
-                        <a:ea typeface="Cambria Math" panose="02040503050406030204" pitchFamily="18" charset="0"/>
-                      </a:rPr>
-                      <m:t>+</m:t>
-                    </m:r>
-                    <m:sSub>
-                      <m:sSubPr>
-                        <m:ctrlPr>
-                          <a:rPr lang="en-CA" i="1">
-                            <a:solidFill>
-                              <a:schemeClr val="accent4"/>
-                            </a:solidFill>
-                            <a:latin typeface="Cambria Math" panose="02040503050406030204" pitchFamily="18" charset="0"/>
-                            <a:ea typeface="Cambria Math" panose="02040503050406030204" pitchFamily="18" charset="0"/>
-                          </a:rPr>
-                        </m:ctrlPr>
-                      </m:sSubPr>
-                      <m:e>
-                        <m:r>
-                          <a:rPr lang="en-CA" i="1">
-                            <a:solidFill>
-                              <a:schemeClr val="accent4"/>
-                            </a:solidFill>
-                            <a:latin typeface="Cambria Math" panose="02040503050406030204" pitchFamily="18" charset="0"/>
-                            <a:ea typeface="Cambria Math" panose="02040503050406030204" pitchFamily="18" charset="0"/>
-                          </a:rPr>
-                          <m:t>𝑆</m:t>
-                        </m:r>
-                      </m:e>
-                      <m:sub>
-                        <m:r>
-                          <a:rPr lang="en-CA" i="1">
-                            <a:solidFill>
-                              <a:schemeClr val="accent4"/>
-                            </a:solidFill>
-                            <a:latin typeface="Cambria Math" panose="02040503050406030204" pitchFamily="18" charset="0"/>
-                            <a:ea typeface="Cambria Math" panose="02040503050406030204" pitchFamily="18" charset="0"/>
-                          </a:rPr>
-                          <m:t>𝑢</m:t>
-                        </m:r>
-                        <m:r>
-                          <a:rPr lang="en-CA" b="0" i="1" smtClean="0">
-                            <a:solidFill>
-                              <a:schemeClr val="accent4"/>
-                            </a:solidFill>
-                            <a:latin typeface="Cambria Math" panose="02040503050406030204" pitchFamily="18" charset="0"/>
-                            <a:ea typeface="Cambria Math" panose="02040503050406030204" pitchFamily="18" charset="0"/>
-                          </a:rPr>
-                          <m:t>2</m:t>
-                        </m:r>
-                      </m:sub>
-                    </m:sSub>
-                    <m:r>
-                      <a:rPr lang="en-CA" i="1">
-                        <a:solidFill>
-                          <a:schemeClr val="accent4"/>
-                        </a:solidFill>
-                        <a:latin typeface="Cambria Math" panose="02040503050406030204" pitchFamily="18" charset="0"/>
-                        <a:ea typeface="Cambria Math" panose="02040503050406030204" pitchFamily="18" charset="0"/>
-                      </a:rPr>
-                      <m:t>∆</m:t>
-                    </m:r>
-                    <m:sSub>
-                      <m:sSubPr>
-                        <m:ctrlPr>
-                          <a:rPr lang="en-CA" i="1">
-                            <a:solidFill>
-                              <a:schemeClr val="accent4"/>
-                            </a:solidFill>
-                            <a:latin typeface="Cambria Math" panose="02040503050406030204" pitchFamily="18" charset="0"/>
-                            <a:ea typeface="Cambria Math" panose="02040503050406030204" pitchFamily="18" charset="0"/>
-                          </a:rPr>
-                        </m:ctrlPr>
-                      </m:sSubPr>
-                      <m:e>
-                        <m:r>
-                          <a:rPr lang="en-CA" i="1">
-                            <a:solidFill>
-                              <a:schemeClr val="accent4"/>
-                            </a:solidFill>
-                            <a:latin typeface="Cambria Math" panose="02040503050406030204" pitchFamily="18" charset="0"/>
-                            <a:ea typeface="Cambria Math" panose="02040503050406030204" pitchFamily="18" charset="0"/>
-                          </a:rPr>
-                          <m:t>𝑢</m:t>
-                        </m:r>
-                      </m:e>
-                      <m:sub>
-                        <m:r>
-                          <a:rPr lang="en-CA" b="0" i="1" smtClean="0">
-                            <a:solidFill>
-                              <a:schemeClr val="accent4"/>
-                            </a:solidFill>
-                            <a:latin typeface="Cambria Math" panose="02040503050406030204" pitchFamily="18" charset="0"/>
-                            <a:ea typeface="Cambria Math" panose="02040503050406030204" pitchFamily="18" charset="0"/>
-                          </a:rPr>
-                          <m:t>2</m:t>
-                        </m:r>
-                      </m:sub>
-                    </m:sSub>
-                    <m:r>
-                      <a:rPr lang="en-CA" i="1">
-                        <a:latin typeface="Cambria Math" panose="02040503050406030204" pitchFamily="18" charset="0"/>
-                        <a:ea typeface="Cambria Math" panose="02040503050406030204" pitchFamily="18" charset="0"/>
-                      </a:rPr>
-                      <m:t>+</m:t>
-                    </m:r>
-                    <m:sSub>
-                      <m:sSubPr>
-                        <m:ctrlPr>
-                          <a:rPr lang="en-CA" i="1">
-                            <a:latin typeface="Cambria Math" panose="02040503050406030204" pitchFamily="18" charset="0"/>
-                            <a:ea typeface="Cambria Math" panose="02040503050406030204" pitchFamily="18" charset="0"/>
-                          </a:rPr>
-                        </m:ctrlPr>
-                      </m:sSubPr>
-                      <m:e>
-                        <m:r>
-                          <a:rPr lang="en-CA" i="1">
-                            <a:latin typeface="Cambria Math" panose="02040503050406030204" pitchFamily="18" charset="0"/>
-                            <a:ea typeface="Cambria Math" panose="02040503050406030204" pitchFamily="18" charset="0"/>
-                          </a:rPr>
-                          <m:t>𝑆</m:t>
-                        </m:r>
-                      </m:e>
-                      <m:sub>
-                        <m:acc>
-                          <m:accPr>
-                            <m:chr m:val="̇"/>
-                            <m:ctrlPr>
-                              <a:rPr lang="en-CA" i="1">
-                                <a:latin typeface="Cambria Math" panose="02040503050406030204" pitchFamily="18" charset="0"/>
-                                <a:ea typeface="Cambria Math" panose="02040503050406030204" pitchFamily="18" charset="0"/>
-                              </a:rPr>
-                            </m:ctrlPr>
-                          </m:accPr>
-                          <m:e>
-                            <m:r>
-                              <a:rPr lang="en-CA" i="1">
-                                <a:latin typeface="Cambria Math" panose="02040503050406030204" pitchFamily="18" charset="0"/>
-                                <a:ea typeface="Cambria Math" panose="02040503050406030204" pitchFamily="18" charset="0"/>
-                              </a:rPr>
-                              <m:t>𝑥</m:t>
-                            </m:r>
-                          </m:e>
-                        </m:acc>
-                      </m:sub>
-                    </m:sSub>
-                    <m:acc>
-                      <m:accPr>
-                        <m:chr m:val="̇"/>
-                        <m:ctrlPr>
-                          <a:rPr lang="en-CA" i="1">
-                            <a:latin typeface="Cambria Math" panose="02040503050406030204" pitchFamily="18" charset="0"/>
-                            <a:ea typeface="Cambria Math" panose="02040503050406030204" pitchFamily="18" charset="0"/>
-                          </a:rPr>
-                        </m:ctrlPr>
-                      </m:accPr>
-                      <m:e>
-                        <m:r>
-                          <a:rPr lang="en-CA" i="1">
-                            <a:latin typeface="Cambria Math" panose="02040503050406030204" pitchFamily="18" charset="0"/>
-                            <a:ea typeface="Cambria Math" panose="02040503050406030204" pitchFamily="18" charset="0"/>
-                          </a:rPr>
-                          <m:t>𝑥</m:t>
-                        </m:r>
-                      </m:e>
-                    </m:acc>
-                    <m:r>
-                      <a:rPr lang="en-CA" i="1">
-                        <a:latin typeface="Cambria Math" panose="02040503050406030204" pitchFamily="18" charset="0"/>
-                        <a:ea typeface="Cambria Math" panose="02040503050406030204" pitchFamily="18" charset="0"/>
-                      </a:rPr>
-                      <m:t>(</m:t>
-                    </m:r>
-                    <m:sSub>
-                      <m:sSubPr>
-                        <m:ctrlPr>
-                          <a:rPr lang="en-CA" i="1">
-                            <a:latin typeface="Cambria Math" panose="02040503050406030204" pitchFamily="18" charset="0"/>
-                            <a:ea typeface="Cambria Math" panose="02040503050406030204" pitchFamily="18" charset="0"/>
-                          </a:rPr>
-                        </m:ctrlPr>
-                      </m:sSubPr>
-                      <m:e>
-                        <m:r>
-                          <a:rPr lang="en-CA" i="1">
-                            <a:latin typeface="Cambria Math" panose="02040503050406030204" pitchFamily="18" charset="0"/>
-                            <a:ea typeface="Cambria Math" panose="02040503050406030204" pitchFamily="18" charset="0"/>
-                          </a:rPr>
-                          <m:t>𝑥</m:t>
-                        </m:r>
-                      </m:e>
-                      <m:sub>
-                        <m:r>
-                          <a:rPr lang="en-CA" i="1">
-                            <a:latin typeface="Cambria Math" panose="02040503050406030204" pitchFamily="18" charset="0"/>
-                            <a:ea typeface="Cambria Math" panose="02040503050406030204" pitchFamily="18" charset="0"/>
-                          </a:rPr>
-                          <m:t>0</m:t>
-                        </m:r>
-                      </m:sub>
-                    </m:sSub>
-                    <m:r>
-                      <a:rPr lang="en-CA" i="1">
-                        <a:latin typeface="Cambria Math" panose="02040503050406030204" pitchFamily="18" charset="0"/>
-                        <a:ea typeface="Cambria Math" panose="02040503050406030204" pitchFamily="18" charset="0"/>
-                      </a:rPr>
-                      <m:t>)</m:t>
-                    </m:r>
-                  </m:oMath>
+                  <m:oMathPara xmlns:m="http://schemas.openxmlformats.org/officeDocument/2006/math">
+                    <m:oMathParaPr>
+                      <m:jc m:val="centerGroup"/>
+                    </m:oMathParaPr>
+                    <m:oMath xmlns:m="http://schemas.openxmlformats.org/officeDocument/2006/math">
+                      <m:r>
+                        <a:rPr lang="en-US" i="1">
+                          <a:latin typeface="Cambria Math" panose="02040503050406030204" pitchFamily="18" charset="0"/>
+                          <a:ea typeface="Cambria Math" panose="02040503050406030204" pitchFamily="18" charset="0"/>
+                        </a:rPr>
+                        <m:t>∆</m:t>
+                      </m:r>
+                      <m:r>
+                        <a:rPr lang="en-CA" i="1">
+                          <a:latin typeface="Cambria Math" panose="02040503050406030204" pitchFamily="18" charset="0"/>
+                          <a:ea typeface="Cambria Math" panose="02040503050406030204" pitchFamily="18" charset="0"/>
+                        </a:rPr>
+                        <m:t>𝑌</m:t>
+                      </m:r>
+                      <m:r>
+                        <a:rPr lang="en-CA" i="1">
+                          <a:latin typeface="Cambria Math" panose="02040503050406030204" pitchFamily="18" charset="0"/>
+                          <a:ea typeface="Cambria Math" panose="02040503050406030204" pitchFamily="18" charset="0"/>
+                        </a:rPr>
+                        <m:t>=</m:t>
+                      </m:r>
+                      <m:sSub>
+                        <m:sSubPr>
+                          <m:ctrlPr>
+                            <a:rPr lang="en-CA" i="1">
+                              <a:latin typeface="Cambria Math" charset="0"/>
+                              <a:ea typeface="Cambria Math" panose="02040503050406030204" pitchFamily="18" charset="0"/>
+                            </a:rPr>
+                          </m:ctrlPr>
+                        </m:sSubPr>
+                        <m:e>
+                          <m:r>
+                            <a:rPr lang="en-CA" i="1">
+                              <a:latin typeface="Cambria Math" panose="02040503050406030204" pitchFamily="18" charset="0"/>
+                              <a:ea typeface="Cambria Math" panose="02040503050406030204" pitchFamily="18" charset="0"/>
+                            </a:rPr>
+                            <m:t>𝑆</m:t>
+                          </m:r>
+                        </m:e>
+                        <m:sub>
+                          <m:r>
+                            <a:rPr lang="en-CA" i="1">
+                              <a:latin typeface="Cambria Math" panose="02040503050406030204" pitchFamily="18" charset="0"/>
+                              <a:ea typeface="Cambria Math" panose="02040503050406030204" pitchFamily="18" charset="0"/>
+                            </a:rPr>
+                            <m:t>𝑥</m:t>
+                          </m:r>
+                        </m:sub>
+                      </m:sSub>
+                      <m:r>
+                        <a:rPr lang="en-CA" i="1">
+                          <a:latin typeface="Cambria Math" panose="02040503050406030204" pitchFamily="18" charset="0"/>
+                          <a:ea typeface="Cambria Math" panose="02040503050406030204" pitchFamily="18" charset="0"/>
+                        </a:rPr>
+                        <m:t>∆</m:t>
+                      </m:r>
+                      <m:r>
+                        <a:rPr lang="en-CA" i="1">
+                          <a:latin typeface="Cambria Math" panose="02040503050406030204" pitchFamily="18" charset="0"/>
+                          <a:ea typeface="Cambria Math" panose="02040503050406030204" pitchFamily="18" charset="0"/>
+                        </a:rPr>
+                        <m:t>𝑥</m:t>
+                      </m:r>
+                      <m:r>
+                        <a:rPr lang="en-CA" i="1">
+                          <a:latin typeface="Cambria Math" panose="02040503050406030204" pitchFamily="18" charset="0"/>
+                          <a:ea typeface="Cambria Math" panose="02040503050406030204" pitchFamily="18" charset="0"/>
+                        </a:rPr>
+                        <m:t>+ </m:t>
+                      </m:r>
+                      <m:sSub>
+                        <m:sSubPr>
+                          <m:ctrlPr>
+                            <a:rPr lang="en-CA" i="1" smtClean="0">
+                              <a:solidFill>
+                                <a:schemeClr val="accent4"/>
+                              </a:solidFill>
+                              <a:latin typeface="Cambria Math" charset="0"/>
+                              <a:ea typeface="Cambria Math" panose="02040503050406030204" pitchFamily="18" charset="0"/>
+                            </a:rPr>
+                          </m:ctrlPr>
+                        </m:sSubPr>
+                        <m:e>
+                          <m:r>
+                            <a:rPr lang="en-CA" i="1">
+                              <a:solidFill>
+                                <a:schemeClr val="accent4"/>
+                              </a:solidFill>
+                              <a:latin typeface="Cambria Math" panose="02040503050406030204" pitchFamily="18" charset="0"/>
+                              <a:ea typeface="Cambria Math" panose="02040503050406030204" pitchFamily="18" charset="0"/>
+                            </a:rPr>
+                            <m:t>𝑆</m:t>
+                          </m:r>
+                        </m:e>
+                        <m:sub>
+                          <m:r>
+                            <a:rPr lang="en-CA" i="1">
+                              <a:solidFill>
+                                <a:schemeClr val="accent4"/>
+                              </a:solidFill>
+                              <a:latin typeface="Cambria Math" panose="02040503050406030204" pitchFamily="18" charset="0"/>
+                              <a:ea typeface="Cambria Math" panose="02040503050406030204" pitchFamily="18" charset="0"/>
+                            </a:rPr>
+                            <m:t>𝑢</m:t>
+                          </m:r>
+                          <m:r>
+                            <a:rPr lang="en-CA" b="0" i="1" smtClean="0">
+                              <a:solidFill>
+                                <a:schemeClr val="accent4"/>
+                              </a:solidFill>
+                              <a:latin typeface="Cambria Math" panose="02040503050406030204" pitchFamily="18" charset="0"/>
+                              <a:ea typeface="Cambria Math" panose="02040503050406030204" pitchFamily="18" charset="0"/>
+                            </a:rPr>
+                            <m:t>1</m:t>
+                          </m:r>
+                        </m:sub>
+                      </m:sSub>
+                      <m:r>
+                        <a:rPr lang="en-CA" i="1">
+                          <a:solidFill>
+                            <a:schemeClr val="accent4"/>
+                          </a:solidFill>
+                          <a:latin typeface="Cambria Math" panose="02040503050406030204" pitchFamily="18" charset="0"/>
+                          <a:ea typeface="Cambria Math" panose="02040503050406030204" pitchFamily="18" charset="0"/>
+                        </a:rPr>
+                        <m:t>∆</m:t>
+                      </m:r>
+                      <m:sSub>
+                        <m:sSubPr>
+                          <m:ctrlPr>
+                            <a:rPr lang="en-CA" i="1" smtClean="0">
+                              <a:solidFill>
+                                <a:schemeClr val="accent4"/>
+                              </a:solidFill>
+                              <a:latin typeface="Cambria Math" charset="0"/>
+                              <a:ea typeface="Cambria Math" panose="02040503050406030204" pitchFamily="18" charset="0"/>
+                            </a:rPr>
+                          </m:ctrlPr>
+                        </m:sSubPr>
+                        <m:e>
+                          <m:r>
+                            <a:rPr lang="en-CA" b="0" i="1" smtClean="0">
+                              <a:solidFill>
+                                <a:schemeClr val="accent4"/>
+                              </a:solidFill>
+                              <a:latin typeface="Cambria Math" panose="02040503050406030204" pitchFamily="18" charset="0"/>
+                              <a:ea typeface="Cambria Math" panose="02040503050406030204" pitchFamily="18" charset="0"/>
+                            </a:rPr>
+                            <m:t>𝑢</m:t>
+                          </m:r>
+                        </m:e>
+                        <m:sub>
+                          <m:r>
+                            <a:rPr lang="en-CA" b="0" i="1" smtClean="0">
+                              <a:solidFill>
+                                <a:schemeClr val="accent4"/>
+                              </a:solidFill>
+                              <a:latin typeface="Cambria Math" panose="02040503050406030204" pitchFamily="18" charset="0"/>
+                              <a:ea typeface="Cambria Math" panose="02040503050406030204" pitchFamily="18" charset="0"/>
+                            </a:rPr>
+                            <m:t>1</m:t>
+                          </m:r>
+                        </m:sub>
+                      </m:sSub>
+                      <m:r>
+                        <a:rPr lang="en-CA" b="0" i="1" smtClean="0">
+                          <a:solidFill>
+                            <a:schemeClr val="accent4"/>
+                          </a:solidFill>
+                          <a:latin typeface="Cambria Math" panose="02040503050406030204" pitchFamily="18" charset="0"/>
+                          <a:ea typeface="Cambria Math" panose="02040503050406030204" pitchFamily="18" charset="0"/>
+                        </a:rPr>
+                        <m:t>+</m:t>
+                      </m:r>
+                      <m:sSub>
+                        <m:sSubPr>
+                          <m:ctrlPr>
+                            <a:rPr lang="en-CA" i="1">
+                              <a:solidFill>
+                                <a:schemeClr val="accent4"/>
+                              </a:solidFill>
+                              <a:latin typeface="Cambria Math" charset="0"/>
+                              <a:ea typeface="Cambria Math" panose="02040503050406030204" pitchFamily="18" charset="0"/>
+                            </a:rPr>
+                          </m:ctrlPr>
+                        </m:sSubPr>
+                        <m:e>
+                          <m:r>
+                            <a:rPr lang="en-CA" i="1">
+                              <a:solidFill>
+                                <a:schemeClr val="accent4"/>
+                              </a:solidFill>
+                              <a:latin typeface="Cambria Math" panose="02040503050406030204" pitchFamily="18" charset="0"/>
+                              <a:ea typeface="Cambria Math" panose="02040503050406030204" pitchFamily="18" charset="0"/>
+                            </a:rPr>
+                            <m:t>𝑆</m:t>
+                          </m:r>
+                        </m:e>
+                        <m:sub>
+                          <m:r>
+                            <a:rPr lang="en-CA" i="1">
+                              <a:solidFill>
+                                <a:schemeClr val="accent4"/>
+                              </a:solidFill>
+                              <a:latin typeface="Cambria Math" panose="02040503050406030204" pitchFamily="18" charset="0"/>
+                              <a:ea typeface="Cambria Math" panose="02040503050406030204" pitchFamily="18" charset="0"/>
+                            </a:rPr>
+                            <m:t>𝑢</m:t>
+                          </m:r>
+                          <m:r>
+                            <a:rPr lang="en-CA" b="0" i="1" smtClean="0">
+                              <a:solidFill>
+                                <a:schemeClr val="accent4"/>
+                              </a:solidFill>
+                              <a:latin typeface="Cambria Math" panose="02040503050406030204" pitchFamily="18" charset="0"/>
+                              <a:ea typeface="Cambria Math" panose="02040503050406030204" pitchFamily="18" charset="0"/>
+                            </a:rPr>
+                            <m:t>2</m:t>
+                          </m:r>
+                        </m:sub>
+                      </m:sSub>
+                      <m:r>
+                        <a:rPr lang="en-CA" i="1">
+                          <a:solidFill>
+                            <a:schemeClr val="accent4"/>
+                          </a:solidFill>
+                          <a:latin typeface="Cambria Math" panose="02040503050406030204" pitchFamily="18" charset="0"/>
+                          <a:ea typeface="Cambria Math" panose="02040503050406030204" pitchFamily="18" charset="0"/>
+                        </a:rPr>
+                        <m:t>∆</m:t>
+                      </m:r>
+                      <m:sSub>
+                        <m:sSubPr>
+                          <m:ctrlPr>
+                            <a:rPr lang="en-CA" i="1">
+                              <a:solidFill>
+                                <a:schemeClr val="accent4"/>
+                              </a:solidFill>
+                              <a:latin typeface="Cambria Math" charset="0"/>
+                              <a:ea typeface="Cambria Math" panose="02040503050406030204" pitchFamily="18" charset="0"/>
+                            </a:rPr>
+                          </m:ctrlPr>
+                        </m:sSubPr>
+                        <m:e>
+                          <m:r>
+                            <a:rPr lang="en-CA" i="1">
+                              <a:solidFill>
+                                <a:schemeClr val="accent4"/>
+                              </a:solidFill>
+                              <a:latin typeface="Cambria Math" panose="02040503050406030204" pitchFamily="18" charset="0"/>
+                              <a:ea typeface="Cambria Math" panose="02040503050406030204" pitchFamily="18" charset="0"/>
+                            </a:rPr>
+                            <m:t>𝑢</m:t>
+                          </m:r>
+                        </m:e>
+                        <m:sub>
+                          <m:r>
+                            <a:rPr lang="en-CA" b="0" i="1" smtClean="0">
+                              <a:solidFill>
+                                <a:schemeClr val="accent4"/>
+                              </a:solidFill>
+                              <a:latin typeface="Cambria Math" panose="02040503050406030204" pitchFamily="18" charset="0"/>
+                              <a:ea typeface="Cambria Math" panose="02040503050406030204" pitchFamily="18" charset="0"/>
+                            </a:rPr>
+                            <m:t>2</m:t>
+                          </m:r>
+                        </m:sub>
+                      </m:sSub>
+                      <m:r>
+                        <a:rPr lang="en-CA" i="1">
+                          <a:latin typeface="Cambria Math" panose="02040503050406030204" pitchFamily="18" charset="0"/>
+                          <a:ea typeface="Cambria Math" panose="02040503050406030204" pitchFamily="18" charset="0"/>
+                        </a:rPr>
+                        <m:t>+</m:t>
+                      </m:r>
+                      <m:sSub>
+                        <m:sSubPr>
+                          <m:ctrlPr>
+                            <a:rPr lang="en-CA" i="1">
+                              <a:latin typeface="Cambria Math" charset="0"/>
+                              <a:ea typeface="Cambria Math" panose="02040503050406030204" pitchFamily="18" charset="0"/>
+                            </a:rPr>
+                          </m:ctrlPr>
+                        </m:sSubPr>
+                        <m:e>
+                          <m:r>
+                            <a:rPr lang="en-CA" i="1">
+                              <a:latin typeface="Cambria Math" panose="02040503050406030204" pitchFamily="18" charset="0"/>
+                              <a:ea typeface="Cambria Math" panose="02040503050406030204" pitchFamily="18" charset="0"/>
+                            </a:rPr>
+                            <m:t>𝑆</m:t>
+                          </m:r>
+                        </m:e>
+                        <m:sub>
+                          <m:acc>
+                            <m:accPr>
+                              <m:chr m:val="̇"/>
+                              <m:ctrlPr>
+                                <a:rPr lang="en-CA" i="1">
+                                  <a:latin typeface="Cambria Math" charset="0"/>
+                                  <a:ea typeface="Cambria Math" panose="02040503050406030204" pitchFamily="18" charset="0"/>
+                                </a:rPr>
+                              </m:ctrlPr>
+                            </m:accPr>
+                            <m:e>
+                              <m:r>
+                                <a:rPr lang="en-CA" i="1">
+                                  <a:latin typeface="Cambria Math" panose="02040503050406030204" pitchFamily="18" charset="0"/>
+                                  <a:ea typeface="Cambria Math" panose="02040503050406030204" pitchFamily="18" charset="0"/>
+                                </a:rPr>
+                                <m:t>𝑥</m:t>
+                              </m:r>
+                            </m:e>
+                          </m:acc>
+                        </m:sub>
+                      </m:sSub>
+                      <m:acc>
+                        <m:accPr>
+                          <m:chr m:val="̇"/>
+                          <m:ctrlPr>
+                            <a:rPr lang="en-CA" i="1">
+                              <a:latin typeface="Cambria Math" charset="0"/>
+                              <a:ea typeface="Cambria Math" panose="02040503050406030204" pitchFamily="18" charset="0"/>
+                            </a:rPr>
+                          </m:ctrlPr>
+                        </m:accPr>
+                        <m:e>
+                          <m:r>
+                            <a:rPr lang="en-CA" i="1">
+                              <a:latin typeface="Cambria Math" panose="02040503050406030204" pitchFamily="18" charset="0"/>
+                              <a:ea typeface="Cambria Math" panose="02040503050406030204" pitchFamily="18" charset="0"/>
+                            </a:rPr>
+                            <m:t>𝑥</m:t>
+                          </m:r>
+                        </m:e>
+                      </m:acc>
+                      <m:r>
+                        <a:rPr lang="en-CA" i="1">
+                          <a:latin typeface="Cambria Math" panose="02040503050406030204" pitchFamily="18" charset="0"/>
+                          <a:ea typeface="Cambria Math" panose="02040503050406030204" pitchFamily="18" charset="0"/>
+                        </a:rPr>
+                        <m:t>(</m:t>
+                      </m:r>
+                      <m:sSub>
+                        <m:sSubPr>
+                          <m:ctrlPr>
+                            <a:rPr lang="en-CA" i="1">
+                              <a:latin typeface="Cambria Math" charset="0"/>
+                              <a:ea typeface="Cambria Math" panose="02040503050406030204" pitchFamily="18" charset="0"/>
+                            </a:rPr>
+                          </m:ctrlPr>
+                        </m:sSubPr>
+                        <m:e>
+                          <m:r>
+                            <a:rPr lang="en-CA" i="1">
+                              <a:latin typeface="Cambria Math" panose="02040503050406030204" pitchFamily="18" charset="0"/>
+                              <a:ea typeface="Cambria Math" panose="02040503050406030204" pitchFamily="18" charset="0"/>
+                            </a:rPr>
+                            <m:t>𝑥</m:t>
+                          </m:r>
+                        </m:e>
+                        <m:sub>
+                          <m:r>
+                            <a:rPr lang="en-CA" i="1">
+                              <a:latin typeface="Cambria Math" panose="02040503050406030204" pitchFamily="18" charset="0"/>
+                              <a:ea typeface="Cambria Math" panose="02040503050406030204" pitchFamily="18" charset="0"/>
+                            </a:rPr>
+                            <m:t>0</m:t>
+                          </m:r>
+                        </m:sub>
+                      </m:sSub>
+                      <m:r>
+                        <a:rPr lang="en-CA" i="1">
+                          <a:latin typeface="Cambria Math" panose="02040503050406030204" pitchFamily="18" charset="0"/>
+                          <a:ea typeface="Cambria Math" panose="02040503050406030204" pitchFamily="18" charset="0"/>
+                        </a:rPr>
+                        <m:t>)</m:t>
+                      </m:r>
+                    </m:oMath>
+                  </m:oMathPara>
                 </a14:m>
                 <a:endParaRPr lang="en-CA" dirty="0">
                   <a:ea typeface="Cambria Math" panose="02040503050406030204" pitchFamily="18" charset="0"/>
@@ -15967,11 +15969,23 @@
               </a:p>
               <a:p>
                 <a:r>
-                  <a:rPr lang="en-CA" dirty="0" smtClean="0"/>
-                  <a:t>Each QP depends on inputs of other compressor – unknown</a:t>
+                  <a:rPr lang="en-CA" dirty="0"/>
+                  <a:t>Solve separate, smaller QP for each controller individually</a:t>
                 </a:r>
               </a:p>
               <a:p>
+                <a:pPr lvl="1"/>
+                <a:r>
+                  <a:rPr lang="en-CA" dirty="0" smtClean="0"/>
+                  <a:t>Each </a:t>
+                </a:r>
+                <a:r>
+                  <a:rPr lang="en-CA" dirty="0" smtClean="0"/>
+                  <a:t>QP depends on inputs of other compressor – unknown</a:t>
+                </a:r>
+              </a:p>
+              <a:p>
+                <a:pPr lvl="1"/>
                 <a:r>
                   <a:rPr lang="en-CA" dirty="0" smtClean="0"/>
                   <a:t>Perform fixed # of iterations, updating the inputs at each step</a:t>
@@ -15980,8 +15994,20 @@
               <a:p>
                 <a:r>
                   <a:rPr lang="en-CA" dirty="0" smtClean="0"/>
-                  <a:t>Assume full state information available to both compressors (for now)</a:t>
+                  <a:t>Assume full state information available to both compressors (for now</a:t>
                 </a:r>
+                <a:r>
+                  <a:rPr lang="en-CA" dirty="0" smtClean="0"/>
+                  <a:t>)</a:t>
+                </a:r>
+              </a:p>
+              <a:p>
+                <a:pPr lvl="1"/>
+                <a:r>
+                  <a:rPr lang="en-CA" dirty="0" smtClean="0"/>
+                  <a:t>Can also implement separate observers for each compressor</a:t>
+                </a:r>
+                <a:endParaRPr lang="en-CA" dirty="0" smtClean="0"/>
               </a:p>
               <a:p>
                 <a:r>
@@ -16026,7 +16052,7 @@
               <a:blipFill rotWithShape="0">
                 <a:blip r:embed="rId2"/>
                 <a:stretch>
-                  <a:fillRect l="-1231" t="-2765" b="-2151"/>
+                  <a:fillRect l="-1046" b="-614"/>
                 </a:stretch>
               </a:blipFill>
             </p:spPr>
@@ -17061,8 +17087,8 @@
               </a:p>
             </p:txBody>
           </p:sp>
-          <mc:AlternateContent xmlns:mc="http://schemas.openxmlformats.org/markup-compatibility/2006">
-            <mc:Choice xmlns:a14="http://schemas.microsoft.com/office/drawing/2010/main" Requires="a14">
+          <mc:AlternateContent xmlns:mc="http://schemas.openxmlformats.org/markup-compatibility/2006" xmlns:a14="http://schemas.microsoft.com/office/drawing/2010/main">
+            <mc:Choice Requires="a14">
               <p:sp>
                 <p:nvSpPr>
                   <p:cNvPr id="77" name="TextBox 76"/>
@@ -17085,6 +17111,7 @@
                   </a:bodyPr>
                   <a:lstStyle/>
                   <a:p>
+                    <a:pPr/>
                     <a14:m>
                       <m:oMathPara xmlns:m="http://schemas.openxmlformats.org/officeDocument/2006/math">
                         <m:oMathParaPr>
@@ -17095,7 +17122,7 @@
                             <m:sSubPr>
                               <m:ctrlPr>
                                 <a:rPr lang="en-CA" i="1" dirty="0" smtClean="0">
-                                  <a:latin typeface="Cambria Math" panose="02040503050406030204" pitchFamily="18" charset="0"/>
+                                  <a:latin typeface="Cambria Math" charset="0"/>
                                 </a:rPr>
                               </m:ctrlPr>
                             </m:sSubPr>
@@ -17105,7 +17132,7 @@
                                   <m:chr m:val="̂"/>
                                   <m:ctrlPr>
                                     <a:rPr lang="en-CA" i="1" dirty="0" smtClean="0">
-                                      <a:latin typeface="Cambria Math" panose="02040503050406030204" pitchFamily="18" charset="0"/>
+                                      <a:latin typeface="Cambria Math" charset="0"/>
                                     </a:rPr>
                                   </m:ctrlPr>
                                 </m:accPr>
@@ -17136,7 +17163,7 @@
                 </p:txBody>
               </p:sp>
             </mc:Choice>
-            <mc:Fallback>
+            <mc:Fallback xmlns="">
               <p:sp>
                 <p:nvSpPr>
                   <p:cNvPr id="77" name="TextBox 76"/>
@@ -17175,8 +17202,8 @@
               </p:sp>
             </mc:Fallback>
           </mc:AlternateContent>
-          <mc:AlternateContent xmlns:mc="http://schemas.openxmlformats.org/markup-compatibility/2006">
-            <mc:Choice xmlns:a14="http://schemas.microsoft.com/office/drawing/2010/main" Requires="a14">
+          <mc:AlternateContent xmlns:mc="http://schemas.openxmlformats.org/markup-compatibility/2006" xmlns:a14="http://schemas.microsoft.com/office/drawing/2010/main">
+            <mc:Choice Requires="a14">
               <p:sp>
                 <p:nvSpPr>
                   <p:cNvPr id="78" name="TextBox 77"/>
@@ -17199,6 +17226,7 @@
                   </a:bodyPr>
                   <a:lstStyle/>
                   <a:p>
+                    <a:pPr/>
                     <a14:m>
                       <m:oMathPara xmlns:m="http://schemas.openxmlformats.org/officeDocument/2006/math">
                         <m:oMathParaPr>
@@ -17209,7 +17237,7 @@
                             <m:sSubPr>
                               <m:ctrlPr>
                                 <a:rPr lang="en-CA" i="1" dirty="0" smtClean="0">
-                                  <a:latin typeface="Cambria Math" panose="02040503050406030204" pitchFamily="18" charset="0"/>
+                                  <a:latin typeface="Cambria Math" charset="0"/>
                                 </a:rPr>
                               </m:ctrlPr>
                             </m:sSubPr>
@@ -17219,7 +17247,7 @@
                                   <m:chr m:val="̂"/>
                                   <m:ctrlPr>
                                     <a:rPr lang="en-CA" i="1" dirty="0" smtClean="0">
-                                      <a:latin typeface="Cambria Math" panose="02040503050406030204" pitchFamily="18" charset="0"/>
+                                      <a:latin typeface="Cambria Math" charset="0"/>
                                     </a:rPr>
                                   </m:ctrlPr>
                                 </m:accPr>
@@ -17250,7 +17278,7 @@
                 </p:txBody>
               </p:sp>
             </mc:Choice>
-            <mc:Fallback>
+            <mc:Fallback xmlns="">
               <p:sp>
                 <p:nvSpPr>
                   <p:cNvPr id="78" name="TextBox 77"/>
@@ -17289,8 +17317,8 @@
               </p:sp>
             </mc:Fallback>
           </mc:AlternateContent>
-          <mc:AlternateContent xmlns:mc="http://schemas.openxmlformats.org/markup-compatibility/2006">
-            <mc:Choice xmlns:a14="http://schemas.microsoft.com/office/drawing/2010/main" Requires="a14">
+          <mc:AlternateContent xmlns:mc="http://schemas.openxmlformats.org/markup-compatibility/2006" xmlns:a14="http://schemas.microsoft.com/office/drawing/2010/main">
+            <mc:Choice Requires="a14">
               <p:sp>
                 <p:nvSpPr>
                   <p:cNvPr id="79" name="TextBox 78"/>
@@ -17313,6 +17341,7 @@
                   </a:bodyPr>
                   <a:lstStyle/>
                   <a:p>
+                    <a:pPr/>
                     <a14:m>
                       <m:oMathPara xmlns:m="http://schemas.openxmlformats.org/officeDocument/2006/math">
                         <m:oMathParaPr>
@@ -17323,7 +17352,7 @@
                             <m:sSubPr>
                               <m:ctrlPr>
                                 <a:rPr lang="en-CA" i="1" dirty="0" smtClean="0">
-                                  <a:latin typeface="Cambria Math" panose="02040503050406030204" pitchFamily="18" charset="0"/>
+                                  <a:latin typeface="Cambria Math" charset="0"/>
                                 </a:rPr>
                               </m:ctrlPr>
                             </m:sSubPr>
@@ -17333,7 +17362,7 @@
                                   <m:chr m:val="̂"/>
                                   <m:ctrlPr>
                                     <a:rPr lang="en-CA" i="1" dirty="0" smtClean="0">
-                                      <a:latin typeface="Cambria Math" panose="02040503050406030204" pitchFamily="18" charset="0"/>
+                                      <a:latin typeface="Cambria Math" charset="0"/>
                                     </a:rPr>
                                   </m:ctrlPr>
                                 </m:accPr>
@@ -17364,7 +17393,7 @@
                 </p:txBody>
               </p:sp>
             </mc:Choice>
-            <mc:Fallback>
+            <mc:Fallback xmlns="">
               <p:sp>
                 <p:nvSpPr>
                   <p:cNvPr id="79" name="TextBox 78"/>
@@ -17403,8 +17432,8 @@
               </p:sp>
             </mc:Fallback>
           </mc:AlternateContent>
-          <mc:AlternateContent xmlns:mc="http://schemas.openxmlformats.org/markup-compatibility/2006">
-            <mc:Choice xmlns:a14="http://schemas.microsoft.com/office/drawing/2010/main" Requires="a14">
+          <mc:AlternateContent xmlns:mc="http://schemas.openxmlformats.org/markup-compatibility/2006" xmlns:a14="http://schemas.microsoft.com/office/drawing/2010/main">
+            <mc:Choice Requires="a14">
               <p:sp>
                 <p:nvSpPr>
                   <p:cNvPr id="80" name="TextBox 79"/>
@@ -17427,6 +17456,7 @@
                   </a:bodyPr>
                   <a:lstStyle/>
                   <a:p>
+                    <a:pPr/>
                     <a14:m>
                       <m:oMathPara xmlns:m="http://schemas.openxmlformats.org/officeDocument/2006/math">
                         <m:oMathParaPr>
@@ -17437,7 +17467,7 @@
                             <m:sSubPr>
                               <m:ctrlPr>
                                 <a:rPr lang="en-CA" i="1" dirty="0" smtClean="0">
-                                  <a:latin typeface="Cambria Math" panose="02040503050406030204" pitchFamily="18" charset="0"/>
+                                  <a:latin typeface="Cambria Math" charset="0"/>
                                 </a:rPr>
                               </m:ctrlPr>
                             </m:sSubPr>
@@ -17447,7 +17477,7 @@
                                   <m:chr m:val="̂"/>
                                   <m:ctrlPr>
                                     <a:rPr lang="en-CA" i="1" dirty="0" smtClean="0">
-                                      <a:latin typeface="Cambria Math" panose="02040503050406030204" pitchFamily="18" charset="0"/>
+                                      <a:latin typeface="Cambria Math" charset="0"/>
                                     </a:rPr>
                                   </m:ctrlPr>
                                 </m:accPr>
@@ -17478,7 +17508,7 @@
                 </p:txBody>
               </p:sp>
             </mc:Choice>
-            <mc:Fallback>
+            <mc:Fallback xmlns="">
               <p:sp>
                 <p:nvSpPr>
                   <p:cNvPr id="80" name="TextBox 79"/>
@@ -17567,8 +17597,8 @@
                 </a:fontRef>
               </p:style>
             </p:cxnSp>
-            <mc:AlternateContent xmlns:mc="http://schemas.openxmlformats.org/markup-compatibility/2006">
-              <mc:Choice xmlns:a14="http://schemas.microsoft.com/office/drawing/2010/main" Requires="a14">
+            <mc:AlternateContent xmlns:mc="http://schemas.openxmlformats.org/markup-compatibility/2006" xmlns:a14="http://schemas.microsoft.com/office/drawing/2010/main">
+              <mc:Choice Requires="a14">
                 <p:sp>
                   <p:nvSpPr>
                     <p:cNvPr id="82" name="TextBox 81"/>
@@ -17591,6 +17621,7 @@
                     </a:bodyPr>
                     <a:lstStyle/>
                     <a:p>
+                      <a:pPr/>
                       <a14:m>
                         <m:oMathPara xmlns:m="http://schemas.openxmlformats.org/officeDocument/2006/math">
                           <m:oMathParaPr>
@@ -17601,7 +17632,7 @@
                               <m:sSubPr>
                                 <m:ctrlPr>
                                   <a:rPr lang="en-CA" i="1" dirty="0" smtClean="0">
-                                    <a:latin typeface="Cambria Math" panose="02040503050406030204" pitchFamily="18" charset="0"/>
+                                    <a:latin typeface="Cambria Math" charset="0"/>
                                   </a:rPr>
                                 </m:ctrlPr>
                               </m:sSubPr>
@@ -17630,7 +17661,7 @@
                   </p:txBody>
                 </p:sp>
               </mc:Choice>
-              <mc:Fallback>
+              <mc:Fallback xmlns="">
                 <p:sp>
                   <p:nvSpPr>
                     <p:cNvPr id="82" name="TextBox 81"/>
@@ -17792,8 +17823,8 @@
                 </a:fontRef>
               </p:style>
             </p:cxnSp>
-            <mc:AlternateContent xmlns:mc="http://schemas.openxmlformats.org/markup-compatibility/2006">
-              <mc:Choice xmlns:a14="http://schemas.microsoft.com/office/drawing/2010/main" Requires="a14">
+            <mc:AlternateContent xmlns:mc="http://schemas.openxmlformats.org/markup-compatibility/2006" xmlns:a14="http://schemas.microsoft.com/office/drawing/2010/main">
+              <mc:Choice Requires="a14">
                 <p:sp>
                   <p:nvSpPr>
                     <p:cNvPr id="86" name="TextBox 85"/>
@@ -17816,6 +17847,7 @@
                     </a:bodyPr>
                     <a:lstStyle/>
                     <a:p>
+                      <a:pPr/>
                       <a14:m>
                         <m:oMathPara xmlns:m="http://schemas.openxmlformats.org/officeDocument/2006/math">
                           <m:oMathParaPr>
@@ -17826,7 +17858,7 @@
                               <m:sSubPr>
                                 <m:ctrlPr>
                                   <a:rPr lang="en-CA" i="1" dirty="0" smtClean="0">
-                                    <a:latin typeface="Cambria Math" panose="02040503050406030204" pitchFamily="18" charset="0"/>
+                                    <a:latin typeface="Cambria Math" charset="0"/>
                                   </a:rPr>
                                 </m:ctrlPr>
                               </m:sSubPr>
@@ -17855,7 +17887,7 @@
                   </p:txBody>
                 </p:sp>
               </mc:Choice>
-              <mc:Fallback>
+              <mc:Fallback xmlns="">
                 <p:sp>
                   <p:nvSpPr>
                     <p:cNvPr id="86" name="TextBox 85"/>
@@ -17945,8 +17977,8 @@
                 </a:fontRef>
               </p:style>
             </p:cxnSp>
-            <mc:AlternateContent xmlns:mc="http://schemas.openxmlformats.org/markup-compatibility/2006">
-              <mc:Choice xmlns:a14="http://schemas.microsoft.com/office/drawing/2010/main" Requires="a14">
+            <mc:AlternateContent xmlns:mc="http://schemas.openxmlformats.org/markup-compatibility/2006" xmlns:a14="http://schemas.microsoft.com/office/drawing/2010/main">
+              <mc:Choice Requires="a14">
                 <p:sp>
                   <p:nvSpPr>
                     <p:cNvPr id="89" name="TextBox 88"/>
@@ -17969,6 +18001,7 @@
                     </a:bodyPr>
                     <a:lstStyle/>
                     <a:p>
+                      <a:pPr/>
                       <a14:m>
                         <m:oMathPara xmlns:m="http://schemas.openxmlformats.org/officeDocument/2006/math">
                           <m:oMathParaPr>
@@ -17979,7 +18012,7 @@
                               <m:sSubPr>
                                 <m:ctrlPr>
                                   <a:rPr lang="en-CA" i="1" dirty="0" smtClean="0">
-                                    <a:latin typeface="Cambria Math" panose="02040503050406030204" pitchFamily="18" charset="0"/>
+                                    <a:latin typeface="Cambria Math" charset="0"/>
                                   </a:rPr>
                                 </m:ctrlPr>
                               </m:sSubPr>
@@ -18008,7 +18041,7 @@
                   </p:txBody>
                 </p:sp>
               </mc:Choice>
-              <mc:Fallback>
+              <mc:Fallback xmlns="">
                 <p:sp>
                   <p:nvSpPr>
                     <p:cNvPr id="89" name="TextBox 88"/>
@@ -18387,8 +18420,8 @@
           </a:prstGeom>
         </p:spPr>
       </p:pic>
-      <mc:AlternateContent xmlns:mc="http://schemas.openxmlformats.org/markup-compatibility/2006">
-        <mc:Choice xmlns:a14="http://schemas.microsoft.com/office/drawing/2010/main" Requires="a14">
+      <mc:AlternateContent xmlns:mc="http://schemas.openxmlformats.org/markup-compatibility/2006" xmlns:a14="http://schemas.microsoft.com/office/drawing/2010/main">
+        <mc:Choice Requires="a14">
           <p:sp>
             <p:nvSpPr>
               <p:cNvPr id="12" name="TextBox 11"/>
@@ -18489,7 +18522,7 @@
             </p:txBody>
           </p:sp>
         </mc:Choice>
-        <mc:Fallback>
+        <mc:Fallback xmlns="">
           <p:sp>
             <p:nvSpPr>
               <p:cNvPr id="12" name="TextBox 11"/>
@@ -18528,8 +18561,8 @@
           </p:sp>
         </mc:Fallback>
       </mc:AlternateContent>
-      <mc:AlternateContent xmlns:mc="http://schemas.openxmlformats.org/markup-compatibility/2006">
-        <mc:Choice xmlns:a14="http://schemas.microsoft.com/office/drawing/2010/main" Requires="a14">
+      <mc:AlternateContent xmlns:mc="http://schemas.openxmlformats.org/markup-compatibility/2006" xmlns:a14="http://schemas.microsoft.com/office/drawing/2010/main">
+        <mc:Choice Requires="a14">
           <p:sp>
             <p:nvSpPr>
               <p:cNvPr id="13" name="TextBox 12"/>
@@ -18610,14 +18643,7 @@
                         <a:latin typeface="Cambria Math" panose="02040503050406030204" pitchFamily="18" charset="0"/>
                         <a:ea typeface="Cambria Math" panose="02040503050406030204" pitchFamily="18" charset="0"/>
                       </a:rPr>
-                      <m:t>≳</m:t>
-                    </m:r>
-                    <m:r>
-                      <a:rPr lang="en-CA" sz="2000" i="1">
-                        <a:latin typeface="Cambria Math" panose="02040503050406030204" pitchFamily="18" charset="0"/>
-                        <a:ea typeface="Cambria Math" panose="02040503050406030204" pitchFamily="18" charset="0"/>
-                      </a:rPr>
-                      <m:t>1</m:t>
+                      <m:t>≳1</m:t>
                     </m:r>
                     <m:r>
                       <a:rPr lang="en-CA" sz="2000" b="0" i="1" smtClean="0">
@@ -18640,7 +18666,7 @@
             </p:txBody>
           </p:sp>
         </mc:Choice>
-        <mc:Fallback>
+        <mc:Fallback xmlns="">
           <p:sp>
             <p:nvSpPr>
               <p:cNvPr id="13" name="TextBox 12"/>
@@ -18913,25 +18939,34 @@
           </a:p>
         </p:txBody>
       </p:sp>
-      <p:sp>
-        <p:nvSpPr>
-          <p:cNvPr id="3" name="Content Placeholder 2"/>
-          <p:cNvSpPr>
-            <a:spLocks noGrp="1"/>
-          </p:cNvSpPr>
+      <p:pic>
+        <p:nvPicPr>
+          <p:cNvPr id="8" name="Content Placeholder 7"/>
+          <p:cNvPicPr>
+            <a:picLocks noGrp="1" noChangeAspect="1"/>
+          </p:cNvPicPr>
           <p:nvPr>
             <p:ph idx="1"/>
           </p:nvPr>
-        </p:nvSpPr>
-        <p:spPr/>
-        <p:txBody>
-          <a:bodyPr/>
-          <a:lstStyle/>
-          <a:p>
-            <a:endParaRPr lang="en-US"/>
-          </a:p>
-        </p:txBody>
-      </p:sp>
+        </p:nvPicPr>
+        <p:blipFill rotWithShape="1">
+          <a:blip r:embed="rId2">
+            <a:extLst>
+              <a:ext uri="{28A0092B-C50C-407E-A947-70E740481C1C}">
+                <a14:useLocalDpi xmlns:a14="http://schemas.microsoft.com/office/drawing/2010/main" val="0"/>
+              </a:ext>
+            </a:extLst>
+          </a:blip>
+          <a:srcRect l="6987" t="3387" r="6050" b="7618"/>
+          <a:stretch/>
+        </p:blipFill>
+        <p:spPr>
+          <a:xfrm>
+            <a:off x="407288" y="1716018"/>
+            <a:ext cx="5687122" cy="4026037"/>
+          </a:xfrm>
+        </p:spPr>
+      </p:pic>
       <p:sp>
         <p:nvSpPr>
           <p:cNvPr id="4" name="Date Placeholder 3"/>
@@ -19018,12 +19053,41 @@
           <a:p>
             <a:r>
               <a:rPr lang="en-CA" dirty="0" smtClean="0"/>
-              <a:t>Centralized Control</a:t>
+              <a:t>Output Disturbance</a:t>
             </a:r>
             <a:endParaRPr lang="en-US" dirty="0"/>
           </a:p>
         </p:txBody>
       </p:sp>
+      <p:pic>
+        <p:nvPicPr>
+          <p:cNvPr id="9" name="Picture 8"/>
+          <p:cNvPicPr>
+            <a:picLocks noChangeAspect="1"/>
+          </p:cNvPicPr>
+          <p:nvPr/>
+        </p:nvPicPr>
+        <p:blipFill rotWithShape="1">
+          <a:blip r:embed="rId3">
+            <a:extLst>
+              <a:ext uri="{28A0092B-C50C-407E-A947-70E740481C1C}">
+                <a14:useLocalDpi xmlns:a14="http://schemas.microsoft.com/office/drawing/2010/main" val="0"/>
+              </a:ext>
+            </a:extLst>
+          </a:blip>
+          <a:srcRect l="5564" t="3198" r="7096" b="8123"/>
+          <a:stretch/>
+        </p:blipFill>
+        <p:spPr>
+          <a:xfrm>
+            <a:off x="6400799" y="1716017"/>
+            <a:ext cx="5296830" cy="4025519"/>
+          </a:xfrm>
+          <a:prstGeom prst="rect">
+            <a:avLst/>
+          </a:prstGeom>
+        </p:spPr>
+      </p:pic>
     </p:spTree>
     <p:extLst>
       <p:ext uri="{BB962C8B-B14F-4D97-AF65-F5344CB8AC3E}">
@@ -19084,25 +19148,34 @@
           </a:p>
         </p:txBody>
       </p:sp>
-      <p:sp>
-        <p:nvSpPr>
-          <p:cNvPr id="3" name="Content Placeholder 2"/>
-          <p:cNvSpPr>
-            <a:spLocks noGrp="1"/>
-          </p:cNvSpPr>
+      <p:pic>
+        <p:nvPicPr>
+          <p:cNvPr id="8" name="Content Placeholder 7"/>
+          <p:cNvPicPr>
+            <a:picLocks noGrp="1" noChangeAspect="1"/>
+          </p:cNvPicPr>
           <p:nvPr>
             <p:ph idx="1"/>
           </p:nvPr>
-        </p:nvSpPr>
-        <p:spPr/>
-        <p:txBody>
-          <a:bodyPr/>
-          <a:lstStyle/>
-          <a:p>
-            <a:endParaRPr lang="en-US"/>
-          </a:p>
-        </p:txBody>
-      </p:sp>
+        </p:nvPicPr>
+        <p:blipFill rotWithShape="1">
+          <a:blip r:embed="rId2">
+            <a:extLst>
+              <a:ext uri="{28A0092B-C50C-407E-A947-70E740481C1C}">
+                <a14:useLocalDpi xmlns:a14="http://schemas.microsoft.com/office/drawing/2010/main" val="0"/>
+              </a:ext>
+            </a:extLst>
+          </a:blip>
+          <a:srcRect l="7313" t="3579" r="6472" b="7035"/>
+          <a:stretch/>
+        </p:blipFill>
+        <p:spPr>
+          <a:xfrm>
+            <a:off x="3074493" y="1660371"/>
+            <a:ext cx="5754028" cy="4588028"/>
+          </a:xfrm>
+        </p:spPr>
+      </p:pic>
       <p:sp>
         <p:nvSpPr>
           <p:cNvPr id="4" name="Date Placeholder 3"/>
@@ -19189,9 +19262,8 @@
           <a:p>
             <a:r>
               <a:rPr lang="en-CA" dirty="0" smtClean="0"/>
-              <a:t>Decentralized Cooperative Control</a:t>
-            </a:r>
-            <a:endParaRPr lang="en-US" dirty="0"/>
+              <a:t>Input Disturbances</a:t>
+            </a:r>
           </a:p>
         </p:txBody>
       </p:sp>
@@ -19249,7 +19321,7 @@
           <a:p>
             <a:r>
               <a:rPr lang="en-CA" dirty="0" smtClean="0"/>
-              <a:t>Results</a:t>
+              <a:t>Conclusion</a:t>
             </a:r>
             <a:endParaRPr lang="en-US" dirty="0"/>
           </a:p>
@@ -19270,7 +19342,42 @@
           <a:bodyPr/>
           <a:lstStyle/>
           <a:p>
-            <a:endParaRPr lang="en-US"/>
+            <a:r>
+              <a:rPr lang="en-CA" dirty="0" smtClean="0"/>
+              <a:t>Fine-tune controllers</a:t>
+            </a:r>
+          </a:p>
+          <a:p>
+            <a:r>
+              <a:rPr lang="en-CA" dirty="0" smtClean="0"/>
+              <a:t>Implement individual observers for each compressor</a:t>
+            </a:r>
+          </a:p>
+          <a:p>
+            <a:r>
+              <a:rPr lang="en-CA" dirty="0" smtClean="0"/>
+              <a:t>Quantify computational cost of each solution</a:t>
+            </a:r>
+          </a:p>
+          <a:p>
+            <a:pPr lvl="1"/>
+            <a:r>
+              <a:rPr lang="en-CA" dirty="0" smtClean="0"/>
+              <a:t>How many iterations of decentralized are still cheaper than centralized solution?</a:t>
+            </a:r>
+          </a:p>
+          <a:p>
+            <a:r>
+              <a:rPr lang="en-CA" dirty="0" smtClean="0"/>
+              <a:t>Compare results to industry standard (traditional control)</a:t>
+            </a:r>
+          </a:p>
+          <a:p>
+            <a:r>
+              <a:rPr lang="en-CA" dirty="0" smtClean="0"/>
+              <a:t>Repeat process for serial network</a:t>
+            </a:r>
+            <a:endParaRPr lang="en-US" dirty="0"/>
           </a:p>
         </p:txBody>
       </p:sp>
@@ -19360,7 +19467,7 @@
           <a:p>
             <a:r>
               <a:rPr lang="en-CA" dirty="0" smtClean="0"/>
-              <a:t>Decentralized Non-cooperative Control</a:t>
+              <a:t>Future Work</a:t>
             </a:r>
             <a:endParaRPr lang="en-US" dirty="0"/>
           </a:p>
@@ -19369,20 +19476,13 @@
     </p:spTree>
     <p:extLst>
       <p:ext uri="{BB962C8B-B14F-4D97-AF65-F5344CB8AC3E}">
-        <p14:creationId xmlns:p14="http://schemas.microsoft.com/office/powerpoint/2010/main" val="4050320291"/>
+        <p14:creationId xmlns:p14="http://schemas.microsoft.com/office/powerpoint/2010/main" val="1127961198"/>
       </p:ext>
     </p:extLst>
   </p:cSld>
   <p:clrMapOvr>
     <a:masterClrMapping/>
   </p:clrMapOvr>
-  <p:timing>
-    <p:tnLst>
-      <p:par>
-        <p:cTn id="1" dur="indefinite" restart="never" nodeType="tmRoot"/>
-      </p:par>
-    </p:tnLst>
-  </p:timing>
 </p:sld>
 </file>
 
@@ -19465,7 +19565,7 @@
           <a:lstStyle/>
           <a:p>
             <a:r>
-              <a:rPr lang="en-US" smtClean="0"/>
+              <a:rPr lang="en-US" dirty="0" smtClean="0"/>
               <a:t>JONES</a:t>
             </a:r>
             <a:endParaRPr lang="en-US" dirty="0"/>
@@ -19512,7 +19612,7 @@
           <a:p>
             <a:r>
               <a:rPr lang="en-CA" dirty="0" smtClean="0"/>
-              <a:t>System Studied</a:t>
+              <a:t>System: Compressor Surge</a:t>
             </a:r>
             <a:endParaRPr lang="en-US" dirty="0"/>
           </a:p>
@@ -19526,8 +19626,8 @@
         </p:nvSpPr>
         <p:spPr>
           <a:xfrm>
-            <a:off x="685359" y="1849465"/>
-            <a:ext cx="4026341" cy="3477875"/>
+            <a:off x="562695" y="2014221"/>
+            <a:ext cx="4633773" cy="3785652"/>
           </a:xfrm>
           <a:prstGeom prst="rect">
             <a:avLst/>
@@ -19540,45 +19640,27 @@
           </a:bodyPr>
           <a:lstStyle/>
           <a:p>
-            <a:r>
-              <a:rPr lang="en-CA" sz="2800" b="1" dirty="0" smtClean="0">
-                <a:solidFill>
-                  <a:schemeClr val="tx2">
-                    <a:lumMod val="40000"/>
-                    <a:lumOff val="60000"/>
-                  </a:schemeClr>
-                </a:solidFill>
-              </a:rPr>
-              <a:t>Compressor surge</a:t>
-            </a:r>
-            <a:r>
-              <a:rPr lang="en-CA" sz="2800" b="1" dirty="0">
-                <a:solidFill>
-                  <a:schemeClr val="tx2">
-                    <a:lumMod val="40000"/>
-                    <a:lumOff val="60000"/>
-                  </a:schemeClr>
-                </a:solidFill>
-              </a:rPr>
-              <a:t>:</a:t>
-            </a:r>
-            <a:endParaRPr lang="en-CA" sz="2800" b="1" dirty="0" smtClean="0">
-              <a:solidFill>
-                <a:schemeClr val="tx2">
-                  <a:lumMod val="40000"/>
-                  <a:lumOff val="60000"/>
-                </a:schemeClr>
-              </a:solidFill>
-            </a:endParaRPr>
-          </a:p>
-          <a:p>
             <a:pPr marL="285750" indent="-285750">
               <a:buFont typeface="Arial" panose="020B0604020202020204" pitchFamily="34" charset="0"/>
               <a:buChar char="•"/>
             </a:pPr>
             <a:r>
               <a:rPr lang="en-CA" sz="2400" dirty="0" smtClean="0"/>
-              <a:t>Increased pressure ratio/decreased mass flow</a:t>
+              <a:t>Causes:</a:t>
+            </a:r>
+          </a:p>
+          <a:p>
+            <a:pPr marL="742950" lvl="1" indent="-285750">
+              <a:buFont typeface="Arial" panose="020B0604020202020204" pitchFamily="34" charset="0"/>
+              <a:buChar char="•"/>
+            </a:pPr>
+            <a:r>
+              <a:rPr lang="en-CA" sz="2400" dirty="0" smtClean="0"/>
+              <a:t>Increased </a:t>
+            </a:r>
+            <a:r>
+              <a:rPr lang="en-CA" sz="2400" dirty="0" smtClean="0"/>
+              <a:t>pressure ratio/decreased mass flow</a:t>
             </a:r>
           </a:p>
           <a:p>
@@ -19588,7 +19670,51 @@
             </a:pPr>
             <a:r>
               <a:rPr lang="en-CA" sz="2400" dirty="0" smtClean="0"/>
-              <a:t>Unstable oscillations in mass flow through compressor</a:t>
+              <a:t>Effects:</a:t>
+            </a:r>
+          </a:p>
+          <a:p>
+            <a:pPr marL="742950" lvl="2" indent="-285750">
+              <a:buFont typeface="Arial" panose="020B0604020202020204" pitchFamily="34" charset="0"/>
+              <a:buChar char="•"/>
+            </a:pPr>
+            <a:r>
+              <a:rPr lang="en-CA" sz="2400" dirty="0"/>
+              <a:t>Unstable oscillations in mass flow through </a:t>
+            </a:r>
+            <a:r>
+              <a:rPr lang="en-CA" sz="2400" dirty="0" smtClean="0"/>
+              <a:t>compressor</a:t>
+            </a:r>
+            <a:endParaRPr lang="en-CA" sz="2400" dirty="0" smtClean="0"/>
+          </a:p>
+          <a:p>
+            <a:pPr marL="742950" lvl="1" indent="-285750">
+              <a:buFont typeface="Arial" panose="020B0604020202020204" pitchFamily="34" charset="0"/>
+              <a:buChar char="•"/>
+            </a:pPr>
+            <a:r>
+              <a:rPr lang="en-CA" sz="2400" dirty="0" smtClean="0"/>
+              <a:t>Increased </a:t>
+            </a:r>
+            <a:r>
+              <a:rPr lang="en-CA" sz="2400" dirty="0" smtClean="0"/>
+              <a:t>wear/maintenance </a:t>
+            </a:r>
+            <a:r>
+              <a:rPr lang="en-CA" sz="2400" dirty="0" smtClean="0"/>
+              <a:t>cost</a:t>
+            </a:r>
+            <a:endParaRPr lang="en-CA" sz="2400" dirty="0" smtClean="0"/>
+          </a:p>
+          <a:p>
+            <a:pPr marL="742950" lvl="1" indent="-285750">
+              <a:buFont typeface="Arial" panose="020B0604020202020204" pitchFamily="34" charset="0"/>
+              <a:buChar char="•"/>
+            </a:pPr>
+            <a:r>
+              <a:rPr lang="en-CA" sz="2400" dirty="0" smtClean="0"/>
+              <a:t>Can cause safety concerns</a:t>
             </a:r>
           </a:p>
           <a:p>
@@ -19598,27 +19724,11 @@
             </a:pPr>
             <a:r>
               <a:rPr lang="en-CA" sz="2400" dirty="0" smtClean="0"/>
-              <a:t>Increased wear/maintenance cost</a:t>
-            </a:r>
-          </a:p>
-          <a:p>
-            <a:pPr marL="285750" indent="-285750">
-              <a:buFont typeface="Arial" panose="020B0604020202020204" pitchFamily="34" charset="0"/>
-              <a:buChar char="•"/>
-            </a:pPr>
+              <a:t>Avoidance with </a:t>
+            </a:r>
             <a:r>
               <a:rPr lang="en-CA" sz="2400" dirty="0" smtClean="0"/>
-              <a:t>Can cause safety concerns</a:t>
-            </a:r>
-          </a:p>
-          <a:p>
-            <a:pPr marL="285750" indent="-285750">
-              <a:buFont typeface="Arial" panose="020B0604020202020204" pitchFamily="34" charset="0"/>
-              <a:buChar char="•"/>
-            </a:pPr>
-            <a:r>
-              <a:rPr lang="en-CA" sz="2400" dirty="0" smtClean="0"/>
-              <a:t>Avoided using recycle valve</a:t>
+              <a:t>recycle valve</a:t>
             </a:r>
           </a:p>
         </p:txBody>
@@ -19651,205 +19761,6 @@
     <p:extLst>
       <p:ext uri="{BB962C8B-B14F-4D97-AF65-F5344CB8AC3E}">
         <p14:creationId xmlns:p14="http://schemas.microsoft.com/office/powerpoint/2010/main" val="3484473358"/>
-      </p:ext>
-    </p:extLst>
-  </p:cSld>
-  <p:clrMapOvr>
-    <a:masterClrMapping/>
-  </p:clrMapOvr>
-</p:sld>
-</file>
-
-<file path=ppt/slides/slide20.xml><?xml version="1.0" encoding="utf-8"?>
-<p:sld xmlns:a="http://schemas.openxmlformats.org/drawingml/2006/main" xmlns:r="http://schemas.openxmlformats.org/officeDocument/2006/relationships" xmlns:p="http://schemas.openxmlformats.org/presentationml/2006/main">
-  <p:cSld>
-    <p:spTree>
-      <p:nvGrpSpPr>
-        <p:cNvPr id="1" name=""/>
-        <p:cNvGrpSpPr/>
-        <p:nvPr/>
-      </p:nvGrpSpPr>
-      <p:grpSpPr>
-        <a:xfrm>
-          <a:off x="0" y="0"/>
-          <a:ext cx="0" cy="0"/>
-          <a:chOff x="0" y="0"/>
-          <a:chExt cx="0" cy="0"/>
-        </a:xfrm>
-      </p:grpSpPr>
-      <p:sp>
-        <p:nvSpPr>
-          <p:cNvPr id="2" name="Title 1"/>
-          <p:cNvSpPr>
-            <a:spLocks noGrp="1"/>
-          </p:cNvSpPr>
-          <p:nvPr>
-            <p:ph type="title"/>
-          </p:nvPr>
-        </p:nvSpPr>
-        <p:spPr/>
-        <p:txBody>
-          <a:bodyPr/>
-          <a:lstStyle/>
-          <a:p>
-            <a:r>
-              <a:rPr lang="en-CA" dirty="0" smtClean="0"/>
-              <a:t>Conclusion</a:t>
-            </a:r>
-            <a:endParaRPr lang="en-US" dirty="0"/>
-          </a:p>
-        </p:txBody>
-      </p:sp>
-      <p:sp>
-        <p:nvSpPr>
-          <p:cNvPr id="3" name="Content Placeholder 2"/>
-          <p:cNvSpPr>
-            <a:spLocks noGrp="1"/>
-          </p:cNvSpPr>
-          <p:nvPr>
-            <p:ph idx="1"/>
-          </p:nvPr>
-        </p:nvSpPr>
-        <p:spPr/>
-        <p:txBody>
-          <a:bodyPr/>
-          <a:lstStyle/>
-          <a:p>
-            <a:r>
-              <a:rPr lang="en-CA" dirty="0" smtClean="0"/>
-              <a:t>Fine-tune controllers</a:t>
-            </a:r>
-          </a:p>
-          <a:p>
-            <a:r>
-              <a:rPr lang="en-CA" dirty="0" smtClean="0"/>
-              <a:t>Implement individual observers for each compressor</a:t>
-            </a:r>
-          </a:p>
-          <a:p>
-            <a:r>
-              <a:rPr lang="en-CA" dirty="0" smtClean="0"/>
-              <a:t>Quantify computational cost of each solution</a:t>
-            </a:r>
-          </a:p>
-          <a:p>
-            <a:pPr lvl="1"/>
-            <a:r>
-              <a:rPr lang="en-CA" dirty="0" smtClean="0"/>
-              <a:t>How many iterations of decentralized are still cheaper than centralized solution?</a:t>
-            </a:r>
-          </a:p>
-          <a:p>
-            <a:r>
-              <a:rPr lang="en-CA" dirty="0" smtClean="0"/>
-              <a:t>Compare results to industry standard (traditional control)</a:t>
-            </a:r>
-          </a:p>
-          <a:p>
-            <a:r>
-              <a:rPr lang="en-CA" dirty="0" smtClean="0"/>
-              <a:t>Repeat process for serial network</a:t>
-            </a:r>
-            <a:endParaRPr lang="en-US" dirty="0"/>
-          </a:p>
-        </p:txBody>
-      </p:sp>
-      <p:sp>
-        <p:nvSpPr>
-          <p:cNvPr id="4" name="Date Placeholder 3"/>
-          <p:cNvSpPr>
-            <a:spLocks noGrp="1"/>
-          </p:cNvSpPr>
-          <p:nvPr>
-            <p:ph type="dt" sz="half" idx="10"/>
-          </p:nvPr>
-        </p:nvSpPr>
-        <p:spPr/>
-        <p:txBody>
-          <a:bodyPr/>
-          <a:lstStyle/>
-          <a:p>
-            <a:r>
-              <a:rPr lang="en-US" smtClean="0"/>
-              <a:t>21.4.2016</a:t>
-            </a:r>
-            <a:endParaRPr lang="en-US" dirty="0"/>
-          </a:p>
-        </p:txBody>
-      </p:sp>
-      <p:sp>
-        <p:nvSpPr>
-          <p:cNvPr id="5" name="Footer Placeholder 4"/>
-          <p:cNvSpPr>
-            <a:spLocks noGrp="1"/>
-          </p:cNvSpPr>
-          <p:nvPr>
-            <p:ph type="ftr" sz="quarter" idx="11"/>
-          </p:nvPr>
-        </p:nvSpPr>
-        <p:spPr/>
-        <p:txBody>
-          <a:bodyPr/>
-          <a:lstStyle/>
-          <a:p>
-            <a:r>
-              <a:rPr lang="en-US" smtClean="0"/>
-              <a:t>JONES</a:t>
-            </a:r>
-            <a:endParaRPr lang="en-US" dirty="0"/>
-          </a:p>
-        </p:txBody>
-      </p:sp>
-      <p:sp>
-        <p:nvSpPr>
-          <p:cNvPr id="6" name="Slide Number Placeholder 5"/>
-          <p:cNvSpPr>
-            <a:spLocks noGrp="1"/>
-          </p:cNvSpPr>
-          <p:nvPr>
-            <p:ph type="sldNum" sz="quarter" idx="12"/>
-          </p:nvPr>
-        </p:nvSpPr>
-        <p:spPr/>
-        <p:txBody>
-          <a:bodyPr/>
-          <a:lstStyle/>
-          <a:p>
-            <a:fld id="{6D22F896-40B5-4ADD-8801-0D06FADFA095}" type="slidenum">
-              <a:rPr lang="en-US" smtClean="0"/>
-              <a:t>20</a:t>
-            </a:fld>
-            <a:endParaRPr lang="en-US" dirty="0"/>
-          </a:p>
-        </p:txBody>
-      </p:sp>
-      <p:sp>
-        <p:nvSpPr>
-          <p:cNvPr id="7" name="Text Placeholder 6"/>
-          <p:cNvSpPr>
-            <a:spLocks noGrp="1"/>
-          </p:cNvSpPr>
-          <p:nvPr>
-            <p:ph type="body" sz="quarter" idx="13"/>
-          </p:nvPr>
-        </p:nvSpPr>
-        <p:spPr/>
-        <p:txBody>
-          <a:bodyPr/>
-          <a:lstStyle/>
-          <a:p>
-            <a:r>
-              <a:rPr lang="en-CA" dirty="0" smtClean="0"/>
-              <a:t>Future Work</a:t>
-            </a:r>
-            <a:endParaRPr lang="en-US" dirty="0"/>
-          </a:p>
-        </p:txBody>
-      </p:sp>
-    </p:spTree>
-    <p:extLst>
-      <p:ext uri="{BB962C8B-B14F-4D97-AF65-F5344CB8AC3E}">
-        <p14:creationId xmlns:p14="http://schemas.microsoft.com/office/powerpoint/2010/main" val="1127961198"/>
       </p:ext>
     </p:extLst>
   </p:cSld>
@@ -19912,7 +19823,7 @@
         <p:spPr/>
         <p:txBody>
           <a:bodyPr>
-            <a:normAutofit fontScale="92500" lnSpcReduction="20000"/>
+            <a:normAutofit/>
           </a:bodyPr>
           <a:lstStyle/>
           <a:p>
@@ -19939,27 +19850,26 @@
             <a:pPr lvl="1"/>
             <a:r>
               <a:rPr lang="en-CA" dirty="0" smtClean="0"/>
-              <a:t>No response when surge distance is positive – anti-windup logic used</a:t>
-            </a:r>
-          </a:p>
-          <a:p>
-            <a:pPr lvl="1"/>
+              <a:t>Loop </a:t>
+            </a:r>
             <a:r>
               <a:rPr lang="en-CA" dirty="0" smtClean="0"/>
-              <a:t>Loop decoupling to separate it from pressure control</a:t>
-            </a:r>
-          </a:p>
-          <a:p>
-            <a:pPr lvl="1"/>
+              <a:t>decoupling to separate it from pressure </a:t>
+            </a:r>
             <a:r>
               <a:rPr lang="en-CA" dirty="0" smtClean="0"/>
-              <a:t>Additional loop decoupling for multiple compressors</a:t>
-            </a:r>
+              <a:t>control/for multiple compressors</a:t>
+            </a:r>
+            <a:endParaRPr lang="en-CA" dirty="0" smtClean="0"/>
           </a:p>
           <a:p>
             <a:r>
               <a:rPr lang="en-CA" dirty="0" smtClean="0"/>
-              <a:t>Disadvantages:</a:t>
+              <a:t>Disadvantages</a:t>
+            </a:r>
+            <a:r>
+              <a:rPr lang="en-CA" dirty="0" smtClean="0"/>
+              <a:t>:</a:t>
             </a:r>
           </a:p>
           <a:p>
@@ -20147,8 +20057,28 @@
           <a:lstStyle/>
           <a:p>
             <a:r>
-              <a:rPr lang="en-CA" dirty="0" smtClean="0"/>
-              <a:t>Design and simulate MPC controllers for both parallel and serial networks of 2 compressors</a:t>
+              <a:rPr lang="en-CA" dirty="0" smtClean="0">
+                <a:solidFill>
+                  <a:schemeClr val="accent4"/>
+                </a:solidFill>
+              </a:rPr>
+              <a:t>Design and simulate MPC controllers for both parallel and serial networks of </a:t>
+            </a:r>
+            <a:r>
+              <a:rPr lang="en-CA" dirty="0" smtClean="0">
+                <a:solidFill>
+                  <a:schemeClr val="accent4"/>
+                </a:solidFill>
+              </a:rPr>
+              <a:t>two </a:t>
+            </a:r>
+            <a:r>
+              <a:rPr lang="en-CA" dirty="0" smtClean="0">
+                <a:solidFill>
+                  <a:schemeClr val="accent4"/>
+                </a:solidFill>
+              </a:rPr>
+              <a:t>compressors</a:t>
             </a:r>
           </a:p>
           <a:p>
@@ -22366,7 +22296,7 @@
                         <m:sSubPr>
                           <m:ctrlPr>
                             <a:rPr lang="en-CA" sz="2800" b="0" i="1" smtClean="0">
-                              <a:latin typeface="Cambria Math" panose="02040503050406030204" pitchFamily="18" charset="0"/>
+                              <a:latin typeface="Cambria Math" charset="0"/>
                             </a:rPr>
                           </m:ctrlPr>
                         </m:sSubPr>
@@ -22397,7 +22327,7 @@
                         <m:fPr>
                           <m:ctrlPr>
                             <a:rPr lang="en-CA" sz="2800" b="0" i="1" smtClean="0">
-                              <a:latin typeface="Cambria Math" panose="02040503050406030204" pitchFamily="18" charset="0"/>
+                              <a:latin typeface="Cambria Math" charset="0"/>
                             </a:rPr>
                           </m:ctrlPr>
                         </m:fPr>
@@ -22406,7 +22336,7 @@
                             <m:sSubPr>
                               <m:ctrlPr>
                                 <a:rPr lang="en-CA" sz="2800" b="0" i="1" smtClean="0">
-                                  <a:latin typeface="Cambria Math" panose="02040503050406030204" pitchFamily="18" charset="0"/>
+                                  <a:latin typeface="Cambria Math" charset="0"/>
                                 </a:rPr>
                               </m:ctrlPr>
                             </m:sSubPr>
@@ -22433,7 +22363,7 @@
                             <m:sSubPr>
                               <m:ctrlPr>
                                 <a:rPr lang="en-CA" sz="2800" b="0" i="1" smtClean="0">
-                                  <a:latin typeface="Cambria Math" panose="02040503050406030204" pitchFamily="18" charset="0"/>
+                                  <a:latin typeface="Cambria Math" charset="0"/>
                                 </a:rPr>
                               </m:ctrlPr>
                             </m:sSubPr>
@@ -22466,7 +22396,7 @@
                         <m:sSubPr>
                           <m:ctrlPr>
                             <a:rPr lang="en-CA" sz="2800" b="0" i="1" smtClean="0">
-                              <a:latin typeface="Cambria Math" panose="02040503050406030204" pitchFamily="18" charset="0"/>
+                              <a:latin typeface="Cambria Math" charset="0"/>
                             </a:rPr>
                           </m:ctrlPr>
                         </m:sSubPr>
@@ -22497,7 +22427,7 @@
                         <m:sSubPr>
                           <m:ctrlPr>
                             <a:rPr lang="en-CA" sz="2800" b="0" i="1" smtClean="0">
-                              <a:latin typeface="Cambria Math" panose="02040503050406030204" pitchFamily="18" charset="0"/>
+                              <a:latin typeface="Cambria Math" charset="0"/>
                             </a:rPr>
                           </m:ctrlPr>
                         </m:sSubPr>
@@ -22670,7 +22600,11 @@
             <a:pPr lvl="1"/>
             <a:r>
               <a:rPr lang="en-CA" dirty="0" smtClean="0"/>
-              <a:t>Dynamic parameters taken equal to physical characteristics (no identification)</a:t>
+              <a:t>Dynamic parameters taken equal to physical </a:t>
+            </a:r>
+            <a:r>
+              <a:rPr lang="en-CA" dirty="0" smtClean="0"/>
+              <a:t>characteristics</a:t>
             </a:r>
             <a:endParaRPr lang="en-US" dirty="0"/>
           </a:p>
